--- a/TadHack2020-Phoenix.pptx
+++ b/TadHack2020-Phoenix.pptx
@@ -5,15 +5,16 @@
     <p:sldMasterId id="2147483648" r:id="rId1"/>
   </p:sldMasterIdLst>
   <p:notesMasterIdLst>
-    <p:notesMasterId r:id="rId8"/>
+    <p:notesMasterId r:id="rId9"/>
   </p:notesMasterIdLst>
   <p:sldIdLst>
     <p:sldId id="256" r:id="rId2"/>
     <p:sldId id="271" r:id="rId3"/>
-    <p:sldId id="263" r:id="rId4"/>
-    <p:sldId id="273" r:id="rId5"/>
-    <p:sldId id="272" r:id="rId6"/>
-    <p:sldId id="274" r:id="rId7"/>
+    <p:sldId id="275" r:id="rId4"/>
+    <p:sldId id="263" r:id="rId5"/>
+    <p:sldId id="273" r:id="rId6"/>
+    <p:sldId id="272" r:id="rId7"/>
+    <p:sldId id="274" r:id="rId8"/>
   </p:sldIdLst>
   <p:sldSz cx="12192000" cy="6858000"/>
   <p:notesSz cx="6858000" cy="9144000"/>
@@ -145,7 +146,7 @@
   <pc:docChgLst>
     <pc:chgData name="Mike Cairns" userId="63c70413ac02f94d" providerId="LiveId" clId="{B5FF3330-E54A-48A9-A189-01E1FAA48633}"/>
     <pc:docChg chg="undo custSel mod addSld modSld sldOrd">
-      <pc:chgData name="Mike Cairns" userId="63c70413ac02f94d" providerId="LiveId" clId="{B5FF3330-E54A-48A9-A189-01E1FAA48633}" dt="2020-02-01T15:44:10.150" v="49" actId="26606"/>
+      <pc:chgData name="Mike Cairns" userId="63c70413ac02f94d" providerId="LiveId" clId="{B5FF3330-E54A-48A9-A189-01E1FAA48633}" dt="2020-02-01T16:29:19.880" v="308" actId="121"/>
       <pc:docMkLst>
         <pc:docMk/>
       </pc:docMkLst>
@@ -156,14 +157,22 @@
           <pc:sldMk cId="1409592162" sldId="256"/>
         </pc:sldMkLst>
       </pc:sldChg>
-      <pc:sldChg chg="modSp mod">
-        <pc:chgData name="Mike Cairns" userId="63c70413ac02f94d" providerId="LiveId" clId="{B5FF3330-E54A-48A9-A189-01E1FAA48633}" dt="2020-02-01T15:27:05.528" v="0" actId="207"/>
+      <pc:sldChg chg="modSp mod chgLayout">
+        <pc:chgData name="Mike Cairns" userId="63c70413ac02f94d" providerId="LiveId" clId="{B5FF3330-E54A-48A9-A189-01E1FAA48633}" dt="2020-02-01T16:29:19.880" v="308" actId="121"/>
         <pc:sldMkLst>
           <pc:docMk/>
           <pc:sldMk cId="2981146111" sldId="263"/>
         </pc:sldMkLst>
-        <pc:spChg chg="mod">
-          <ac:chgData name="Mike Cairns" userId="63c70413ac02f94d" providerId="LiveId" clId="{B5FF3330-E54A-48A9-A189-01E1FAA48633}" dt="2020-02-01T15:27:05.528" v="0" actId="207"/>
+        <pc:spChg chg="mod ord">
+          <ac:chgData name="Mike Cairns" userId="63c70413ac02f94d" providerId="LiveId" clId="{B5FF3330-E54A-48A9-A189-01E1FAA48633}" dt="2020-02-01T16:29:19.880" v="308" actId="121"/>
+          <ac:spMkLst>
+            <pc:docMk/>
+            <pc:sldMk cId="2981146111" sldId="263"/>
+            <ac:spMk id="2" creationId="{4D7C3982-963C-4A8D-8239-6CDC986ACFA7}"/>
+          </ac:spMkLst>
+        </pc:spChg>
+        <pc:spChg chg="mod ord">
+          <ac:chgData name="Mike Cairns" userId="63c70413ac02f94d" providerId="LiveId" clId="{B5FF3330-E54A-48A9-A189-01E1FAA48633}" dt="2020-02-01T16:28:46.074" v="269" actId="700"/>
           <ac:spMkLst>
             <pc:docMk/>
             <pc:sldMk cId="2981146111" sldId="263"/>
@@ -171,14 +180,29 @@
           </ac:spMkLst>
         </pc:spChg>
       </pc:sldChg>
+      <pc:sldChg chg="modSp mod">
+        <pc:chgData name="Mike Cairns" userId="63c70413ac02f94d" providerId="LiveId" clId="{B5FF3330-E54A-48A9-A189-01E1FAA48633}" dt="2020-02-01T16:25:29.884" v="213" actId="20577"/>
+        <pc:sldMkLst>
+          <pc:docMk/>
+          <pc:sldMk cId="4050894198" sldId="271"/>
+        </pc:sldMkLst>
+        <pc:spChg chg="mod">
+          <ac:chgData name="Mike Cairns" userId="63c70413ac02f94d" providerId="LiveId" clId="{B5FF3330-E54A-48A9-A189-01E1FAA48633}" dt="2020-02-01T16:25:29.884" v="213" actId="20577"/>
+          <ac:spMkLst>
+            <pc:docMk/>
+            <pc:sldMk cId="4050894198" sldId="271"/>
+            <ac:spMk id="3" creationId="{F6E40F16-0F89-4ED6-B021-4AF9712786D5}"/>
+          </ac:spMkLst>
+        </pc:spChg>
+      </pc:sldChg>
       <pc:sldChg chg="delSp modSp mod">
-        <pc:chgData name="Mike Cairns" userId="63c70413ac02f94d" providerId="LiveId" clId="{B5FF3330-E54A-48A9-A189-01E1FAA48633}" dt="2020-02-01T15:44:04.060" v="47" actId="21"/>
+        <pc:chgData name="Mike Cairns" userId="63c70413ac02f94d" providerId="LiveId" clId="{B5FF3330-E54A-48A9-A189-01E1FAA48633}" dt="2020-02-01T16:14:58.764" v="85" actId="27636"/>
         <pc:sldMkLst>
           <pc:docMk/>
           <pc:sldMk cId="2803770446" sldId="272"/>
         </pc:sldMkLst>
         <pc:spChg chg="mod">
-          <ac:chgData name="Mike Cairns" userId="63c70413ac02f94d" providerId="LiveId" clId="{B5FF3330-E54A-48A9-A189-01E1FAA48633}" dt="2020-02-01T15:42:07.034" v="27" actId="27636"/>
+          <ac:chgData name="Mike Cairns" userId="63c70413ac02f94d" providerId="LiveId" clId="{B5FF3330-E54A-48A9-A189-01E1FAA48633}" dt="2020-02-01T16:14:58.764" v="85" actId="27636"/>
           <ac:spMkLst>
             <pc:docMk/>
             <pc:sldMk cId="2803770446" sldId="272"/>
@@ -195,7 +219,7 @@
         </pc:picChg>
       </pc:sldChg>
       <pc:sldChg chg="modSp new mod ord">
-        <pc:chgData name="Mike Cairns" userId="63c70413ac02f94d" providerId="LiveId" clId="{B5FF3330-E54A-48A9-A189-01E1FAA48633}" dt="2020-02-01T15:42:29.724" v="45" actId="20577"/>
+        <pc:chgData name="Mike Cairns" userId="63c70413ac02f94d" providerId="LiveId" clId="{B5FF3330-E54A-48A9-A189-01E1FAA48633}" dt="2020-02-01T16:24:35.064" v="207" actId="20577"/>
         <pc:sldMkLst>
           <pc:docMk/>
           <pc:sldMk cId="168476063" sldId="273"/>
@@ -206,6 +230,14 @@
             <pc:docMk/>
             <pc:sldMk cId="168476063" sldId="273"/>
             <ac:spMk id="2" creationId="{1249B96A-CDA9-4AF7-9A08-17D1957DDD4A}"/>
+          </ac:spMkLst>
+        </pc:spChg>
+        <pc:spChg chg="mod">
+          <ac:chgData name="Mike Cairns" userId="63c70413ac02f94d" providerId="LiveId" clId="{B5FF3330-E54A-48A9-A189-01E1FAA48633}" dt="2020-02-01T16:24:35.064" v="207" actId="20577"/>
+          <ac:spMkLst>
+            <pc:docMk/>
+            <pc:sldMk cId="168476063" sldId="273"/>
+            <ac:spMk id="3" creationId="{AE526430-5352-45EA-9339-1BD921E97B03}"/>
           </ac:spMkLst>
         </pc:spChg>
       </pc:sldChg>
@@ -271,6 +303,29 @@
             <ac:picMk id="15" creationId="{39E5F3CB-7BDD-4E64-B274-CD900F08C6F3}"/>
           </ac:picMkLst>
         </pc:picChg>
+      </pc:sldChg>
+      <pc:sldChg chg="modSp add mod">
+        <pc:chgData name="Mike Cairns" userId="63c70413ac02f94d" providerId="LiveId" clId="{B5FF3330-E54A-48A9-A189-01E1FAA48633}" dt="2020-02-01T16:25:46.093" v="225" actId="27636"/>
+        <pc:sldMkLst>
+          <pc:docMk/>
+          <pc:sldMk cId="3489824263" sldId="275"/>
+        </pc:sldMkLst>
+        <pc:spChg chg="mod">
+          <ac:chgData name="Mike Cairns" userId="63c70413ac02f94d" providerId="LiveId" clId="{B5FF3330-E54A-48A9-A189-01E1FAA48633}" dt="2020-02-01T16:25:41.762" v="223" actId="20577"/>
+          <ac:spMkLst>
+            <pc:docMk/>
+            <pc:sldMk cId="3489824263" sldId="275"/>
+            <ac:spMk id="2" creationId="{4A34215E-50F8-42B6-AEC2-61BF58911967}"/>
+          </ac:spMkLst>
+        </pc:spChg>
+        <pc:spChg chg="mod">
+          <ac:chgData name="Mike Cairns" userId="63c70413ac02f94d" providerId="LiveId" clId="{B5FF3330-E54A-48A9-A189-01E1FAA48633}" dt="2020-02-01T16:25:46.093" v="225" actId="27636"/>
+          <ac:spMkLst>
+            <pc:docMk/>
+            <pc:sldMk cId="3489824263" sldId="275"/>
+            <ac:spMk id="3" creationId="{F6E40F16-0F89-4ED6-B021-4AF9712786D5}"/>
+          </ac:spMkLst>
+        </pc:spChg>
       </pc:sldChg>
     </pc:docChg>
   </pc:docChgLst>
@@ -848,7 +903,7 @@
           <a:p>
             <a:fld id="{DE799890-9F94-4CD0-A099-8B4535041991}" type="slidenum">
               <a:rPr lang="en-US" smtClean="0"/>
-              <a:t>3</a:t>
+              <a:t>4</a:t>
             </a:fld>
             <a:endParaRPr lang="en-US"/>
           </a:p>
@@ -911,34 +966,7 @@
           <a:bodyPr/>
           <a:lstStyle/>
           <a:p>
-            <a:r>
-              <a:rPr lang="en-US" dirty="0"/>
-              <a:t>Cities are more equipped</a:t>
-            </a:r>
-          </a:p>
-          <a:p>
-            <a:endParaRPr lang="en-US" dirty="0"/>
-          </a:p>
-          <a:p>
-            <a:r>
-              <a:rPr lang="en-US" dirty="0"/>
-              <a:t>1/3 of food goes to landfill</a:t>
-            </a:r>
-          </a:p>
-          <a:p>
-            <a:endParaRPr lang="en-US" dirty="0"/>
-          </a:p>
-          <a:p>
-            <a:endParaRPr lang="en-US" dirty="0"/>
-          </a:p>
-          <a:p>
-            <a:endParaRPr lang="en-US" dirty="0"/>
-          </a:p>
-          <a:p>
-            <a:r>
-              <a:rPr lang="en-US" dirty="0"/>
-              <a:t>s</a:t>
-            </a:r>
+            <a:endParaRPr lang="en-US" dirty="0"/>
           </a:p>
         </p:txBody>
       </p:sp>
@@ -968,7 +996,7 @@
     </p:spTree>
     <p:extLst>
       <p:ext uri="{BB962C8B-B14F-4D97-AF65-F5344CB8AC3E}">
-        <p14:creationId xmlns:p14="http://schemas.microsoft.com/office/powerpoint/2010/main" val="638660095"/>
+        <p14:creationId xmlns:p14="http://schemas.microsoft.com/office/powerpoint/2010/main" val="1664248948"/>
       </p:ext>
     </p:extLst>
   </p:cSld>
@@ -1022,7 +1050,34 @@
           <a:bodyPr/>
           <a:lstStyle/>
           <a:p>
-            <a:endParaRPr lang="en-US" dirty="0"/>
+            <a:r>
+              <a:rPr lang="en-US" dirty="0"/>
+              <a:t>Cities are more equipped</a:t>
+            </a:r>
+          </a:p>
+          <a:p>
+            <a:endParaRPr lang="en-US" dirty="0"/>
+          </a:p>
+          <a:p>
+            <a:r>
+              <a:rPr lang="en-US" dirty="0"/>
+              <a:t>1/3 of food goes to landfill</a:t>
+            </a:r>
+          </a:p>
+          <a:p>
+            <a:endParaRPr lang="en-US" dirty="0"/>
+          </a:p>
+          <a:p>
+            <a:endParaRPr lang="en-US" dirty="0"/>
+          </a:p>
+          <a:p>
+            <a:endParaRPr lang="en-US" dirty="0"/>
+          </a:p>
+          <a:p>
+            <a:r>
+              <a:rPr lang="en-US" dirty="0"/>
+              <a:t>s</a:t>
+            </a:r>
           </a:p>
         </p:txBody>
       </p:sp>
@@ -1044,6 +1099,90 @@
             <a:fld id="{DE799890-9F94-4CD0-A099-8B4535041991}" type="slidenum">
               <a:rPr lang="en-US" smtClean="0"/>
               <a:t>6</a:t>
+            </a:fld>
+            <a:endParaRPr lang="en-US"/>
+          </a:p>
+        </p:txBody>
+      </p:sp>
+    </p:spTree>
+    <p:extLst>
+      <p:ext uri="{BB962C8B-B14F-4D97-AF65-F5344CB8AC3E}">
+        <p14:creationId xmlns:p14="http://schemas.microsoft.com/office/powerpoint/2010/main" val="638660095"/>
+      </p:ext>
+    </p:extLst>
+  </p:cSld>
+  <p:clrMapOvr>
+    <a:masterClrMapping/>
+  </p:clrMapOvr>
+</p:notes>
+</file>
+
+<file path=ppt/notesSlides/notesSlide5.xml><?xml version="1.0" encoding="utf-8"?>
+<p:notes xmlns:a="http://schemas.openxmlformats.org/drawingml/2006/main" xmlns:r="http://schemas.openxmlformats.org/officeDocument/2006/relationships" xmlns:p="http://schemas.openxmlformats.org/presentationml/2006/main">
+  <p:cSld>
+    <p:spTree>
+      <p:nvGrpSpPr>
+        <p:cNvPr id="1" name=""/>
+        <p:cNvGrpSpPr/>
+        <p:nvPr/>
+      </p:nvGrpSpPr>
+      <p:grpSpPr>
+        <a:xfrm>
+          <a:off x="0" y="0"/>
+          <a:ext cx="0" cy="0"/>
+          <a:chOff x="0" y="0"/>
+          <a:chExt cx="0" cy="0"/>
+        </a:xfrm>
+      </p:grpSpPr>
+      <p:sp>
+        <p:nvSpPr>
+          <p:cNvPr id="2" name="Slide Image Placeholder 1"/>
+          <p:cNvSpPr>
+            <a:spLocks noGrp="1" noRot="1" noChangeAspect="1"/>
+          </p:cNvSpPr>
+          <p:nvPr>
+            <p:ph type="sldImg"/>
+          </p:nvPr>
+        </p:nvSpPr>
+        <p:spPr/>
+      </p:sp>
+      <p:sp>
+        <p:nvSpPr>
+          <p:cNvPr id="3" name="Notes Placeholder 2"/>
+          <p:cNvSpPr>
+            <a:spLocks noGrp="1"/>
+          </p:cNvSpPr>
+          <p:nvPr>
+            <p:ph type="body" idx="1"/>
+          </p:nvPr>
+        </p:nvSpPr>
+        <p:spPr/>
+        <p:txBody>
+          <a:bodyPr/>
+          <a:lstStyle/>
+          <a:p>
+            <a:endParaRPr lang="en-US" dirty="0"/>
+          </a:p>
+        </p:txBody>
+      </p:sp>
+      <p:sp>
+        <p:nvSpPr>
+          <p:cNvPr id="4" name="Slide Number Placeholder 3"/>
+          <p:cNvSpPr>
+            <a:spLocks noGrp="1"/>
+          </p:cNvSpPr>
+          <p:nvPr>
+            <p:ph type="sldNum" sz="quarter" idx="5"/>
+          </p:nvPr>
+        </p:nvSpPr>
+        <p:spPr/>
+        <p:txBody>
+          <a:bodyPr/>
+          <a:lstStyle/>
+          <a:p>
+            <a:fld id="{DE799890-9F94-4CD0-A099-8B4535041991}" type="slidenum">
+              <a:rPr lang="en-US" smtClean="0"/>
+              <a:t>7</a:t>
             </a:fld>
             <a:endParaRPr lang="en-US"/>
           </a:p>
@@ -6753,7 +6892,7 @@
         <p:spPr/>
         <p:txBody>
           <a:bodyPr>
-            <a:normAutofit fontScale="47500" lnSpcReduction="20000"/>
+            <a:normAutofit/>
           </a:bodyPr>
           <a:lstStyle/>
           <a:p>
@@ -6800,105 +6939,6 @@
               <a:rPr lang="en-US" dirty="0"/>
               <a:t>Help feed animals</a:t>
             </a:r>
-          </a:p>
-          <a:p>
-            <a:pPr marL="457200" indent="-457200">
-              <a:buAutoNum type="arabicPeriod"/>
-            </a:pPr>
-            <a:endParaRPr lang="en-US" dirty="0"/>
-          </a:p>
-          <a:p>
-            <a:pPr marL="0" indent="0">
-              <a:buNone/>
-            </a:pPr>
-            <a:r>
-              <a:rPr lang="en-US" dirty="0"/>
-              <a:t>Impact</a:t>
-            </a:r>
-          </a:p>
-          <a:p>
-            <a:r>
-              <a:rPr lang="en-US" dirty="0"/>
-              <a:t>Education</a:t>
-            </a:r>
-          </a:p>
-          <a:p>
-            <a:pPr lvl="1"/>
-            <a:r>
-              <a:rPr lang="en-US" dirty="0"/>
-              <a:t>Feed hungry kids</a:t>
-            </a:r>
-          </a:p>
-          <a:p>
-            <a:pPr lvl="1"/>
-            <a:r>
-              <a:rPr lang="en-US" dirty="0"/>
-              <a:t>School Lunch Waste (Give food to kids in summer)</a:t>
-            </a:r>
-          </a:p>
-          <a:p>
-            <a:r>
-              <a:rPr lang="en-US" dirty="0"/>
-              <a:t>Healthcare</a:t>
-            </a:r>
-          </a:p>
-          <a:p>
-            <a:pPr lvl="1"/>
-            <a:r>
-              <a:rPr lang="en-US" dirty="0"/>
-              <a:t>Improper Nutrition is often the precursor to many diseases</a:t>
-            </a:r>
-          </a:p>
-          <a:p>
-            <a:pPr lvl="1"/>
-            <a:r>
-              <a:rPr lang="en-US" dirty="0"/>
-              <a:t>Waste food from Hospitals</a:t>
-            </a:r>
-          </a:p>
-          <a:p>
-            <a:pPr lvl="1"/>
-            <a:r>
-              <a:rPr lang="en-US" dirty="0"/>
-              <a:t>Notify of free vaccinations </a:t>
-            </a:r>
-            <a:r>
-              <a:rPr lang="en-US" dirty="0" err="1"/>
-              <a:t>Loations</a:t>
-            </a:r>
-            <a:endParaRPr lang="en-US" dirty="0"/>
-          </a:p>
-          <a:p>
-            <a:r>
-              <a:rPr lang="en-US" dirty="0"/>
-              <a:t>Energy &amp; Environment</a:t>
-            </a:r>
-          </a:p>
-          <a:p>
-            <a:pPr lvl="1"/>
-            <a:r>
-              <a:rPr lang="en-US" dirty="0"/>
-              <a:t>Transporting of food has a carbon footprint.  Reduce distance food must travel</a:t>
-            </a:r>
-          </a:p>
-          <a:p>
-            <a:r>
-              <a:rPr lang="en-US" dirty="0"/>
-              <a:t>St. Mary’s Food Bank</a:t>
-            </a:r>
-          </a:p>
-          <a:p>
-            <a:pPr lvl="1"/>
-            <a:r>
-              <a:rPr lang="en-US" dirty="0"/>
-              <a:t>Food Banks </a:t>
-            </a:r>
-          </a:p>
-          <a:p>
-            <a:pPr marL="0" indent="0">
-              <a:buNone/>
-            </a:pPr>
-            <a:endParaRPr lang="en-US" dirty="0"/>
           </a:p>
         </p:txBody>
       </p:sp>
@@ -6937,6 +6977,172 @@
           <p:cNvPr id="2" name="Title 1">
             <a:extLst>
               <a:ext uri="{FF2B5EF4-FFF2-40B4-BE49-F238E27FC236}">
+                <a16:creationId xmlns:a16="http://schemas.microsoft.com/office/drawing/2014/main" id="{4A34215E-50F8-42B6-AEC2-61BF58911967}"/>
+              </a:ext>
+            </a:extLst>
+          </p:cNvPr>
+          <p:cNvSpPr>
+            <a:spLocks noGrp="1"/>
+          </p:cNvSpPr>
+          <p:nvPr>
+            <p:ph type="title"/>
+          </p:nvPr>
+        </p:nvSpPr>
+        <p:spPr/>
+        <p:txBody>
+          <a:bodyPr/>
+          <a:lstStyle/>
+          <a:p>
+            <a:r>
+              <a:rPr lang="en-US" dirty="0"/>
+              <a:t>What is My Hack’s impact</a:t>
+            </a:r>
+          </a:p>
+        </p:txBody>
+      </p:sp>
+      <p:sp>
+        <p:nvSpPr>
+          <p:cNvPr id="3" name="Content Placeholder 2">
+            <a:extLst>
+              <a:ext uri="{FF2B5EF4-FFF2-40B4-BE49-F238E27FC236}">
+                <a16:creationId xmlns:a16="http://schemas.microsoft.com/office/drawing/2014/main" id="{F6E40F16-0F89-4ED6-B021-4AF9712786D5}"/>
+              </a:ext>
+            </a:extLst>
+          </p:cNvPr>
+          <p:cNvSpPr>
+            <a:spLocks noGrp="1"/>
+          </p:cNvSpPr>
+          <p:nvPr>
+            <p:ph idx="1"/>
+          </p:nvPr>
+        </p:nvSpPr>
+        <p:spPr/>
+        <p:txBody>
+          <a:bodyPr>
+            <a:normAutofit lnSpcReduction="10000"/>
+          </a:bodyPr>
+          <a:lstStyle/>
+          <a:p>
+            <a:r>
+              <a:rPr lang="en-US" dirty="0"/>
+              <a:t>Education</a:t>
+            </a:r>
+          </a:p>
+          <a:p>
+            <a:pPr lvl="1"/>
+            <a:r>
+              <a:rPr lang="en-US" dirty="0"/>
+              <a:t>Feed hungry kids</a:t>
+            </a:r>
+          </a:p>
+          <a:p>
+            <a:pPr lvl="1"/>
+            <a:r>
+              <a:rPr lang="en-US" dirty="0"/>
+              <a:t>School Lunch Waste (Give food to kids in summer)</a:t>
+            </a:r>
+          </a:p>
+          <a:p>
+            <a:r>
+              <a:rPr lang="en-US" dirty="0"/>
+              <a:t>Healthcare</a:t>
+            </a:r>
+          </a:p>
+          <a:p>
+            <a:pPr lvl="1"/>
+            <a:r>
+              <a:rPr lang="en-US" dirty="0"/>
+              <a:t>Improper Nutrition is often the precursor to many diseases</a:t>
+            </a:r>
+          </a:p>
+          <a:p>
+            <a:pPr lvl="1"/>
+            <a:r>
+              <a:rPr lang="en-US" dirty="0"/>
+              <a:t>Waste food from Hospitals</a:t>
+            </a:r>
+          </a:p>
+          <a:p>
+            <a:pPr lvl="1"/>
+            <a:r>
+              <a:rPr lang="en-US" dirty="0"/>
+              <a:t>Notify of free vaccinations </a:t>
+            </a:r>
+            <a:r>
+              <a:rPr lang="en-US" dirty="0" err="1"/>
+              <a:t>Loations</a:t>
+            </a:r>
+            <a:endParaRPr lang="en-US" dirty="0"/>
+          </a:p>
+          <a:p>
+            <a:r>
+              <a:rPr lang="en-US" dirty="0"/>
+              <a:t>Energy &amp; Environment</a:t>
+            </a:r>
+          </a:p>
+          <a:p>
+            <a:pPr lvl="1"/>
+            <a:r>
+              <a:rPr lang="en-US" dirty="0"/>
+              <a:t>Transporting of food has a carbon footprint.  Reduce distance food must travel</a:t>
+            </a:r>
+          </a:p>
+          <a:p>
+            <a:r>
+              <a:rPr lang="en-US" dirty="0"/>
+              <a:t>St. Mary’s Food Bank</a:t>
+            </a:r>
+          </a:p>
+          <a:p>
+            <a:pPr lvl="1"/>
+            <a:r>
+              <a:rPr lang="en-US" dirty="0"/>
+              <a:t>Food Banks </a:t>
+            </a:r>
+          </a:p>
+          <a:p>
+            <a:pPr marL="0" indent="0">
+              <a:buNone/>
+            </a:pPr>
+            <a:endParaRPr lang="en-US" dirty="0"/>
+          </a:p>
+        </p:txBody>
+      </p:sp>
+    </p:spTree>
+    <p:extLst>
+      <p:ext uri="{BB962C8B-B14F-4D97-AF65-F5344CB8AC3E}">
+        <p14:creationId xmlns:p14="http://schemas.microsoft.com/office/powerpoint/2010/main" val="3489824263"/>
+      </p:ext>
+    </p:extLst>
+  </p:cSld>
+  <p:clrMapOvr>
+    <a:masterClrMapping/>
+  </p:clrMapOvr>
+</p:sld>
+</file>
+
+<file path=ppt/slides/slide4.xml><?xml version="1.0" encoding="utf-8"?>
+<p:sld xmlns:a="http://schemas.openxmlformats.org/drawingml/2006/main" xmlns:r="http://schemas.openxmlformats.org/officeDocument/2006/relationships" xmlns:p="http://schemas.openxmlformats.org/presentationml/2006/main">
+  <p:cSld>
+    <p:spTree>
+      <p:nvGrpSpPr>
+        <p:cNvPr id="1" name=""/>
+        <p:cNvGrpSpPr/>
+        <p:nvPr/>
+      </p:nvGrpSpPr>
+      <p:grpSpPr>
+        <a:xfrm>
+          <a:off x="0" y="0"/>
+          <a:ext cx="0" cy="0"/>
+          <a:chOff x="0" y="0"/>
+          <a:chExt cx="0" cy="0"/>
+        </a:xfrm>
+      </p:grpSpPr>
+      <p:sp>
+        <p:nvSpPr>
+          <p:cNvPr id="2" name="Title 1">
+            <a:extLst>
+              <a:ext uri="{FF2B5EF4-FFF2-40B4-BE49-F238E27FC236}">
                 <a16:creationId xmlns:a16="http://schemas.microsoft.com/office/drawing/2014/main" id="{4D7C3982-963C-4A8D-8239-6CDC986ACFA7}"/>
               </a:ext>
             </a:extLst>
@@ -6948,26 +7154,16 @@
             <p:ph type="title"/>
           </p:nvPr>
         </p:nvSpPr>
-        <p:spPr>
-          <a:xfrm>
-            <a:off x="685800" y="764373"/>
-            <a:ext cx="3687417" cy="1920372"/>
-          </a:xfrm>
-        </p:spPr>
+        <p:spPr/>
         <p:txBody>
           <a:bodyPr vert="horz" lIns="91440" tIns="45720" rIns="91440" bIns="45720" rtlCol="0">
             <a:normAutofit/>
           </a:bodyPr>
           <a:lstStyle/>
           <a:p>
-            <a:pPr algn="l"/>
-            <a:r>
-              <a:rPr lang="en-US" sz="3600" dirty="0">
-                <a:solidFill>
-                  <a:schemeClr val="bg1"/>
-                </a:solidFill>
-              </a:rPr>
-              <a:t>Concept</a:t>
+            <a:r>
+              <a:rPr lang="en-US" sz="3600" dirty="0"/>
+              <a:t>Functions of application</a:t>
             </a:r>
           </a:p>
         </p:txBody>
@@ -6988,12 +7184,7 @@
             <p:ph idx="1"/>
           </p:nvPr>
         </p:nvSpPr>
-        <p:spPr>
-          <a:xfrm>
-            <a:off x="685800" y="2821774"/>
-            <a:ext cx="3687417" cy="3148329"/>
-          </a:xfrm>
-        </p:spPr>
+        <p:spPr/>
         <p:txBody>
           <a:bodyPr vert="horz" lIns="91440" tIns="45720" rIns="91440" bIns="45720" rtlCol="0">
             <a:normAutofit/>
@@ -7015,6 +7206,15 @@
             <a:r>
               <a:rPr lang="en-US" sz="1600" dirty="0"/>
               <a:t>Keep food local</a:t>
+            </a:r>
+          </a:p>
+          <a:p>
+            <a:pPr marL="800100" lvl="1" indent="-342900">
+              <a:buAutoNum type="arabicPeriod"/>
+            </a:pPr>
+            <a:r>
+              <a:rPr lang="en-US" sz="1400" dirty="0"/>
+              <a:t>Use GPS to match food need to food demand</a:t>
             </a:r>
           </a:p>
           <a:p>
@@ -7088,89 +7288,6 @@
 </p:sld>
 </file>
 
-<file path=ppt/slides/slide4.xml><?xml version="1.0" encoding="utf-8"?>
-<p:sld xmlns:a="http://schemas.openxmlformats.org/drawingml/2006/main" xmlns:r="http://schemas.openxmlformats.org/officeDocument/2006/relationships" xmlns:p="http://schemas.openxmlformats.org/presentationml/2006/main">
-  <p:cSld>
-    <p:spTree>
-      <p:nvGrpSpPr>
-        <p:cNvPr id="1" name=""/>
-        <p:cNvGrpSpPr/>
-        <p:nvPr/>
-      </p:nvGrpSpPr>
-      <p:grpSpPr>
-        <a:xfrm>
-          <a:off x="0" y="0"/>
-          <a:ext cx="0" cy="0"/>
-          <a:chOff x="0" y="0"/>
-          <a:chExt cx="0" cy="0"/>
-        </a:xfrm>
-      </p:grpSpPr>
-      <p:sp>
-        <p:nvSpPr>
-          <p:cNvPr id="2" name="Title 1">
-            <a:extLst>
-              <a:ext uri="{FF2B5EF4-FFF2-40B4-BE49-F238E27FC236}">
-                <a16:creationId xmlns:a16="http://schemas.microsoft.com/office/drawing/2014/main" id="{1249B96A-CDA9-4AF7-9A08-17D1957DDD4A}"/>
-              </a:ext>
-            </a:extLst>
-          </p:cNvPr>
-          <p:cNvSpPr>
-            <a:spLocks noGrp="1"/>
-          </p:cNvSpPr>
-          <p:nvPr>
-            <p:ph type="title"/>
-          </p:nvPr>
-        </p:nvSpPr>
-        <p:spPr/>
-        <p:txBody>
-          <a:bodyPr/>
-          <a:lstStyle/>
-          <a:p>
-            <a:r>
-              <a:rPr lang="en-US" dirty="0"/>
-              <a:t>Technology Used</a:t>
-            </a:r>
-          </a:p>
-        </p:txBody>
-      </p:sp>
-      <p:sp>
-        <p:nvSpPr>
-          <p:cNvPr id="3" name="Content Placeholder 2">
-            <a:extLst>
-              <a:ext uri="{FF2B5EF4-FFF2-40B4-BE49-F238E27FC236}">
-                <a16:creationId xmlns:a16="http://schemas.microsoft.com/office/drawing/2014/main" id="{AE526430-5352-45EA-9339-1BD921E97B03}"/>
-              </a:ext>
-            </a:extLst>
-          </p:cNvPr>
-          <p:cNvSpPr>
-            <a:spLocks noGrp="1"/>
-          </p:cNvSpPr>
-          <p:nvPr>
-            <p:ph idx="1"/>
-          </p:nvPr>
-        </p:nvSpPr>
-        <p:spPr/>
-        <p:txBody>
-          <a:bodyPr/>
-          <a:lstStyle/>
-          <a:p>
-            <a:endParaRPr lang="en-US" dirty="0"/>
-          </a:p>
-        </p:txBody>
-      </p:sp>
-    </p:spTree>
-    <p:extLst>
-      <p:ext uri="{BB962C8B-B14F-4D97-AF65-F5344CB8AC3E}">
-        <p14:creationId xmlns:p14="http://schemas.microsoft.com/office/powerpoint/2010/main" val="168476063"/>
-      </p:ext>
-    </p:extLst>
-  </p:cSld>
-  <p:clrMapOvr>
-    <a:masterClrMapping/>
-  </p:clrMapOvr>
-</p:sld>
-</file>
-
 <file path=ppt/slides/slide5.xml><?xml version="1.0" encoding="utf-8"?>
 <p:sld xmlns:a="http://schemas.openxmlformats.org/drawingml/2006/main" xmlns:r="http://schemas.openxmlformats.org/officeDocument/2006/relationships" xmlns:p="http://schemas.openxmlformats.org/presentationml/2006/main">
   <p:cSld>
@@ -7193,6 +7310,134 @@
           <p:cNvPr id="2" name="Title 1">
             <a:extLst>
               <a:ext uri="{FF2B5EF4-FFF2-40B4-BE49-F238E27FC236}">
+                <a16:creationId xmlns:a16="http://schemas.microsoft.com/office/drawing/2014/main" id="{1249B96A-CDA9-4AF7-9A08-17D1957DDD4A}"/>
+              </a:ext>
+            </a:extLst>
+          </p:cNvPr>
+          <p:cNvSpPr>
+            <a:spLocks noGrp="1"/>
+          </p:cNvSpPr>
+          <p:nvPr>
+            <p:ph type="title"/>
+          </p:nvPr>
+        </p:nvSpPr>
+        <p:spPr/>
+        <p:txBody>
+          <a:bodyPr/>
+          <a:lstStyle/>
+          <a:p>
+            <a:r>
+              <a:rPr lang="en-US" dirty="0"/>
+              <a:t>Technology Used</a:t>
+            </a:r>
+          </a:p>
+        </p:txBody>
+      </p:sp>
+      <p:sp>
+        <p:nvSpPr>
+          <p:cNvPr id="3" name="Content Placeholder 2">
+            <a:extLst>
+              <a:ext uri="{FF2B5EF4-FFF2-40B4-BE49-F238E27FC236}">
+                <a16:creationId xmlns:a16="http://schemas.microsoft.com/office/drawing/2014/main" id="{AE526430-5352-45EA-9339-1BD921E97B03}"/>
+              </a:ext>
+            </a:extLst>
+          </p:cNvPr>
+          <p:cNvSpPr>
+            <a:spLocks noGrp="1"/>
+          </p:cNvSpPr>
+          <p:nvPr>
+            <p:ph idx="1"/>
+          </p:nvPr>
+        </p:nvSpPr>
+        <p:spPr/>
+        <p:txBody>
+          <a:bodyPr/>
+          <a:lstStyle/>
+          <a:p>
+            <a:r>
+              <a:rPr lang="en-US" dirty="0"/>
+              <a:t>Avaya OneCloud </a:t>
+            </a:r>
+            <a:r>
+              <a:rPr lang="en-US" dirty="0" err="1"/>
+              <a:t>CPaaS</a:t>
+            </a:r>
+            <a:endParaRPr lang="en-US" dirty="0"/>
+          </a:p>
+          <a:p>
+            <a:pPr lvl="1"/>
+            <a:r>
+              <a:rPr lang="en-US" dirty="0"/>
+              <a:t>SMS API</a:t>
+            </a:r>
+          </a:p>
+          <a:p>
+            <a:r>
+              <a:rPr lang="en-US" dirty="0"/>
+              <a:t>Google Cloud</a:t>
+            </a:r>
+          </a:p>
+          <a:p>
+            <a:pPr lvl="1"/>
+            <a:r>
+              <a:rPr lang="en-US" dirty="0"/>
+              <a:t>Docker Container for code</a:t>
+            </a:r>
+          </a:p>
+          <a:p>
+            <a:r>
+              <a:rPr lang="en-US" dirty="0" err="1"/>
+              <a:t>Dialogflow</a:t>
+            </a:r>
+            <a:r>
+              <a:rPr lang="en-US" dirty="0"/>
+              <a:t> API</a:t>
+            </a:r>
+          </a:p>
+          <a:p>
+            <a:pPr lvl="1"/>
+            <a:r>
+              <a:rPr lang="en-US" dirty="0"/>
+              <a:t>Chatbot Interactions</a:t>
+            </a:r>
+          </a:p>
+        </p:txBody>
+      </p:sp>
+    </p:spTree>
+    <p:extLst>
+      <p:ext uri="{BB962C8B-B14F-4D97-AF65-F5344CB8AC3E}">
+        <p14:creationId xmlns:p14="http://schemas.microsoft.com/office/powerpoint/2010/main" val="168476063"/>
+      </p:ext>
+    </p:extLst>
+  </p:cSld>
+  <p:clrMapOvr>
+    <a:masterClrMapping/>
+  </p:clrMapOvr>
+</p:sld>
+</file>
+
+<file path=ppt/slides/slide6.xml><?xml version="1.0" encoding="utf-8"?>
+<p:sld xmlns:a="http://schemas.openxmlformats.org/drawingml/2006/main" xmlns:r="http://schemas.openxmlformats.org/officeDocument/2006/relationships" xmlns:p="http://schemas.openxmlformats.org/presentationml/2006/main">
+  <p:cSld>
+    <p:spTree>
+      <p:nvGrpSpPr>
+        <p:cNvPr id="1" name=""/>
+        <p:cNvGrpSpPr/>
+        <p:nvPr/>
+      </p:nvGrpSpPr>
+      <p:grpSpPr>
+        <a:xfrm>
+          <a:off x="0" y="0"/>
+          <a:ext cx="0" cy="0"/>
+          <a:chOff x="0" y="0"/>
+          <a:chExt cx="0" cy="0"/>
+        </a:xfrm>
+      </p:grpSpPr>
+      <p:sp>
+        <p:nvSpPr>
+          <p:cNvPr id="2" name="Title 1">
+            <a:extLst>
+              <a:ext uri="{FF2B5EF4-FFF2-40B4-BE49-F238E27FC236}">
                 <a16:creationId xmlns:a16="http://schemas.microsoft.com/office/drawing/2014/main" id="{D93D931E-45C9-4893-B6FD-9CBFE23B6051}"/>
               </a:ext>
             </a:extLst>
@@ -7236,7 +7481,7 @@
         <p:spPr/>
         <p:txBody>
           <a:bodyPr>
-            <a:normAutofit/>
+            <a:normAutofit fontScale="92500" lnSpcReduction="20000"/>
           </a:bodyPr>
           <a:lstStyle/>
           <a:p>
@@ -7343,6 +7588,37 @@
               <a:rPr lang="en-US" dirty="0"/>
               <a:t>, retailing and consuming.” </a:t>
             </a:r>
+          </a:p>
+          <a:p>
+            <a:pPr marL="0" indent="0">
+              <a:buNone/>
+            </a:pPr>
+            <a:r>
+              <a:rPr lang="en-US" dirty="0">
+                <a:hlinkClick r:id="rId8"/>
+              </a:rPr>
+              <a:t>https://www.theguardian.com/world/2016/feb/04/french-law-forbids-food-waste-by-supermarkets</a:t>
+            </a:r>
+            <a:endParaRPr lang="en-US" dirty="0"/>
+          </a:p>
+          <a:p>
+            <a:pPr lvl="1"/>
+            <a:r>
+              <a:rPr lang="en-US" b="1" dirty="0"/>
+              <a:t>“Food banks and other charities welcome law-making large shops donate unsold food and stop spoiling items to deter foragers”</a:t>
+            </a:r>
+          </a:p>
+          <a:p>
+            <a:pPr marL="0" indent="0">
+              <a:buNone/>
+            </a:pPr>
+            <a:endParaRPr lang="en-US" dirty="0"/>
+          </a:p>
+          <a:p>
+            <a:pPr marL="0" indent="0">
+              <a:buNone/>
+            </a:pPr>
+            <a:endParaRPr lang="en-US" dirty="0"/>
           </a:p>
           <a:p>
             <a:pPr marL="0" indent="0">
@@ -7371,7 +7647,7 @@
 </p:sld>
 </file>
 
-<file path=ppt/slides/slide6.xml><?xml version="1.0" encoding="utf-8"?>
+<file path=ppt/slides/slide7.xml><?xml version="1.0" encoding="utf-8"?>
 <p:sld xmlns:a="http://schemas.openxmlformats.org/drawingml/2006/main" xmlns:r="http://schemas.openxmlformats.org/officeDocument/2006/relationships" xmlns:p="http://schemas.openxmlformats.org/presentationml/2006/main">
   <p:cSld>
     <p:bg>

--- a/TadHack2020-Phoenix.pptx
+++ b/TadHack2020-Phoenix.pptx
@@ -9,12 +9,12 @@
   </p:notesMasterIdLst>
   <p:sldIdLst>
     <p:sldId id="256" r:id="rId2"/>
-    <p:sldId id="271" r:id="rId3"/>
-    <p:sldId id="275" r:id="rId4"/>
-    <p:sldId id="263" r:id="rId5"/>
+    <p:sldId id="272" r:id="rId3"/>
+    <p:sldId id="271" r:id="rId4"/>
+    <p:sldId id="275" r:id="rId5"/>
     <p:sldId id="273" r:id="rId6"/>
-    <p:sldId id="272" r:id="rId7"/>
-    <p:sldId id="274" r:id="rId8"/>
+    <p:sldId id="277" r:id="rId7"/>
+    <p:sldId id="276" r:id="rId8"/>
   </p:sldIdLst>
   <p:sldSz cx="12192000" cy="6858000"/>
   <p:notesSz cx="6858000" cy="9144000"/>
@@ -123,7 +123,7 @@
 
 <file path=ppt/commentAuthors.xml><?xml version="1.0" encoding="utf-8"?>
 <p:cmAuthorLst xmlns:a="http://schemas.openxmlformats.org/drawingml/2006/main" xmlns:r="http://schemas.openxmlformats.org/officeDocument/2006/relationships" xmlns:p="http://schemas.openxmlformats.org/presentationml/2006/main">
-  <p:cmAuthor id="1" name="Mike Cairns" initials="MC" lastIdx="1" clrIdx="0">
+  <p:cmAuthor id="1" name="Mike Cairns" initials="MC" lastIdx="2" clrIdx="0">
     <p:extLst>
       <p:ext uri="{19B8F6BF-5375-455C-9EA6-DF929625EA0E}">
         <p15:presenceInfo xmlns:p15="http://schemas.microsoft.com/office/powerpoint/2012/main" userId="63c70413ac02f94d" providerId="Windows Live"/>
@@ -133,32 +133,32 @@
 </p:cmAuthorLst>
 </file>
 
-<file path=ppt/revisionInfo.xml><?xml version="1.0" encoding="utf-8"?>
-<p1510:revInfo xmlns:a="http://schemas.openxmlformats.org/drawingml/2006/main" xmlns:r="http://schemas.openxmlformats.org/officeDocument/2006/relationships" xmlns:p1510="http://schemas.microsoft.com/office/powerpoint/2015/10/main">
-  <p1510:revLst>
-    <p1510:client id="{23011364-1F20-48A9-86B0-B0BAF6487D8D}" v="2" dt="2020-02-01T15:28:55.732"/>
-  </p1510:revLst>
-</p1510:revInfo>
-</file>
-
 <file path=ppt/changesInfos/changesInfo1.xml><?xml version="1.0" encoding="utf-8"?>
 <pc:chgInfo xmlns:a="http://schemas.openxmlformats.org/drawingml/2006/main" xmlns:r="http://schemas.openxmlformats.org/officeDocument/2006/relationships" xmlns:ac="http://schemas.microsoft.com/office/drawing/2013/main/command" xmlns:pc="http://schemas.microsoft.com/office/powerpoint/2013/main/command">
   <pc:docChgLst>
     <pc:chgData name="Mike Cairns" userId="63c70413ac02f94d" providerId="LiveId" clId="{B5FF3330-E54A-48A9-A189-01E1FAA48633}"/>
-    <pc:docChg chg="undo custSel mod addSld modSld sldOrd">
-      <pc:chgData name="Mike Cairns" userId="63c70413ac02f94d" providerId="LiveId" clId="{B5FF3330-E54A-48A9-A189-01E1FAA48633}" dt="2020-02-01T16:29:19.880" v="308" actId="121"/>
+    <pc:docChg chg="undo custSel mod addSld delSld modSld sldOrd">
+      <pc:chgData name="Mike Cairns" userId="63c70413ac02f94d" providerId="LiveId" clId="{B5FF3330-E54A-48A9-A189-01E1FAA48633}" dt="2020-02-02T20:01:02.439" v="741" actId="26606"/>
       <pc:docMkLst>
         <pc:docMk/>
       </pc:docMkLst>
-      <pc:sldChg chg="modNotesTx">
-        <pc:chgData name="Mike Cairns" userId="63c70413ac02f94d" providerId="LiveId" clId="{B5FF3330-E54A-48A9-A189-01E1FAA48633}" dt="2020-02-01T15:37:41.861" v="4" actId="20577"/>
+      <pc:sldChg chg="modSp mod modNotesTx">
+        <pc:chgData name="Mike Cairns" userId="63c70413ac02f94d" providerId="LiveId" clId="{B5FF3330-E54A-48A9-A189-01E1FAA48633}" dt="2020-02-02T19:45:45.996" v="732" actId="20577"/>
         <pc:sldMkLst>
           <pc:docMk/>
           <pc:sldMk cId="1409592162" sldId="256"/>
         </pc:sldMkLst>
+        <pc:spChg chg="mod">
+          <ac:chgData name="Mike Cairns" userId="63c70413ac02f94d" providerId="LiveId" clId="{B5FF3330-E54A-48A9-A189-01E1FAA48633}" dt="2020-02-02T19:45:45.996" v="732" actId="20577"/>
+          <ac:spMkLst>
+            <pc:docMk/>
+            <pc:sldMk cId="1409592162" sldId="256"/>
+            <ac:spMk id="2" creationId="{602CDB23-551C-4B5F-B18E-F59A142C24BE}"/>
+          </ac:spMkLst>
+        </pc:spChg>
       </pc:sldChg>
-      <pc:sldChg chg="modSp mod chgLayout">
-        <pc:chgData name="Mike Cairns" userId="63c70413ac02f94d" providerId="LiveId" clId="{B5FF3330-E54A-48A9-A189-01E1FAA48633}" dt="2020-02-01T16:29:19.880" v="308" actId="121"/>
+      <pc:sldChg chg="modSp del mod chgLayout">
+        <pc:chgData name="Mike Cairns" userId="63c70413ac02f94d" providerId="LiveId" clId="{B5FF3330-E54A-48A9-A189-01E1FAA48633}" dt="2020-02-02T19:12:17.339" v="445" actId="47"/>
         <pc:sldMkLst>
           <pc:docMk/>
           <pc:sldMk cId="2981146111" sldId="263"/>
@@ -172,7 +172,7 @@
           </ac:spMkLst>
         </pc:spChg>
         <pc:spChg chg="mod ord">
-          <ac:chgData name="Mike Cairns" userId="63c70413ac02f94d" providerId="LiveId" clId="{B5FF3330-E54A-48A9-A189-01E1FAA48633}" dt="2020-02-01T16:28:46.074" v="269" actId="700"/>
+          <ac:chgData name="Mike Cairns" userId="63c70413ac02f94d" providerId="LiveId" clId="{B5FF3330-E54A-48A9-A189-01E1FAA48633}" dt="2020-02-02T19:11:47.705" v="443" actId="20577"/>
           <ac:spMkLst>
             <pc:docMk/>
             <pc:sldMk cId="2981146111" sldId="263"/>
@@ -180,27 +180,51 @@
           </ac:spMkLst>
         </pc:spChg>
       </pc:sldChg>
-      <pc:sldChg chg="modSp mod">
-        <pc:chgData name="Mike Cairns" userId="63c70413ac02f94d" providerId="LiveId" clId="{B5FF3330-E54A-48A9-A189-01E1FAA48633}" dt="2020-02-01T16:25:29.884" v="213" actId="20577"/>
+      <pc:sldChg chg="addSp delSp modSp mod">
+        <pc:chgData name="Mike Cairns" userId="63c70413ac02f94d" providerId="LiveId" clId="{B5FF3330-E54A-48A9-A189-01E1FAA48633}" dt="2020-02-02T19:59:50.113" v="740" actId="1076"/>
         <pc:sldMkLst>
           <pc:docMk/>
           <pc:sldMk cId="4050894198" sldId="271"/>
         </pc:sldMkLst>
         <pc:spChg chg="mod">
-          <ac:chgData name="Mike Cairns" userId="63c70413ac02f94d" providerId="LiveId" clId="{B5FF3330-E54A-48A9-A189-01E1FAA48633}" dt="2020-02-01T16:25:29.884" v="213" actId="20577"/>
+          <ac:chgData name="Mike Cairns" userId="63c70413ac02f94d" providerId="LiveId" clId="{B5FF3330-E54A-48A9-A189-01E1FAA48633}" dt="2020-02-02T19:58:44.473" v="736" actId="14100"/>
           <ac:spMkLst>
             <pc:docMk/>
             <pc:sldMk cId="4050894198" sldId="271"/>
             <ac:spMk id="3" creationId="{F6E40F16-0F89-4ED6-B021-4AF9712786D5}"/>
           </ac:spMkLst>
         </pc:spChg>
+        <pc:picChg chg="add del mod">
+          <ac:chgData name="Mike Cairns" userId="63c70413ac02f94d" providerId="LiveId" clId="{B5FF3330-E54A-48A9-A189-01E1FAA48633}" dt="2020-02-02T19:59:47.114" v="739" actId="478"/>
+          <ac:picMkLst>
+            <pc:docMk/>
+            <pc:sldMk cId="4050894198" sldId="271"/>
+            <ac:picMk id="4" creationId="{3AB4FAE0-2347-4AE0-BB06-6F25E6A72964}"/>
+          </ac:picMkLst>
+        </pc:picChg>
+        <pc:picChg chg="add mod">
+          <ac:chgData name="Mike Cairns" userId="63c70413ac02f94d" providerId="LiveId" clId="{B5FF3330-E54A-48A9-A189-01E1FAA48633}" dt="2020-02-02T19:59:50.113" v="740" actId="1076"/>
+          <ac:picMkLst>
+            <pc:docMk/>
+            <pc:sldMk cId="4050894198" sldId="271"/>
+            <ac:picMk id="5" creationId="{9794B757-A464-4916-9198-090E6782ACD6}"/>
+          </ac:picMkLst>
+        </pc:picChg>
       </pc:sldChg>
-      <pc:sldChg chg="delSp modSp mod">
-        <pc:chgData name="Mike Cairns" userId="63c70413ac02f94d" providerId="LiveId" clId="{B5FF3330-E54A-48A9-A189-01E1FAA48633}" dt="2020-02-01T16:14:58.764" v="85" actId="27636"/>
+      <pc:sldChg chg="delSp modSp mod ord">
+        <pc:chgData name="Mike Cairns" userId="63c70413ac02f94d" providerId="LiveId" clId="{B5FF3330-E54A-48A9-A189-01E1FAA48633}" dt="2020-02-02T19:45:17.502" v="725" actId="313"/>
         <pc:sldMkLst>
           <pc:docMk/>
           <pc:sldMk cId="2803770446" sldId="272"/>
         </pc:sldMkLst>
+        <pc:spChg chg="mod">
+          <ac:chgData name="Mike Cairns" userId="63c70413ac02f94d" providerId="LiveId" clId="{B5FF3330-E54A-48A9-A189-01E1FAA48633}" dt="2020-02-02T19:45:17.502" v="725" actId="313"/>
+          <ac:spMkLst>
+            <pc:docMk/>
+            <pc:sldMk cId="2803770446" sldId="272"/>
+            <ac:spMk id="2" creationId="{D93D931E-45C9-4893-B6FD-9CBFE23B6051}"/>
+          </ac:spMkLst>
+        </pc:spChg>
         <pc:spChg chg="mod">
           <ac:chgData name="Mike Cairns" userId="63c70413ac02f94d" providerId="LiveId" clId="{B5FF3330-E54A-48A9-A189-01E1FAA48633}" dt="2020-02-01T16:14:58.764" v="85" actId="27636"/>
           <ac:spMkLst>
@@ -218,8 +242,8 @@
           </ac:picMkLst>
         </pc:picChg>
       </pc:sldChg>
-      <pc:sldChg chg="modSp new mod ord">
-        <pc:chgData name="Mike Cairns" userId="63c70413ac02f94d" providerId="LiveId" clId="{B5FF3330-E54A-48A9-A189-01E1FAA48633}" dt="2020-02-01T16:24:35.064" v="207" actId="20577"/>
+      <pc:sldChg chg="modSp new mod ord addCm">
+        <pc:chgData name="Mike Cairns" userId="63c70413ac02f94d" providerId="LiveId" clId="{B5FF3330-E54A-48A9-A189-01E1FAA48633}" dt="2020-02-02T19:20:56.953" v="542" actId="1589"/>
         <pc:sldMkLst>
           <pc:docMk/>
           <pc:sldMk cId="168476063" sldId="273"/>
@@ -233,7 +257,7 @@
           </ac:spMkLst>
         </pc:spChg>
         <pc:spChg chg="mod">
-          <ac:chgData name="Mike Cairns" userId="63c70413ac02f94d" providerId="LiveId" clId="{B5FF3330-E54A-48A9-A189-01E1FAA48633}" dt="2020-02-01T16:24:35.064" v="207" actId="20577"/>
+          <ac:chgData name="Mike Cairns" userId="63c70413ac02f94d" providerId="LiveId" clId="{B5FF3330-E54A-48A9-A189-01E1FAA48633}" dt="2020-02-02T19:20:41.433" v="541" actId="20577"/>
           <ac:spMkLst>
             <pc:docMk/>
             <pc:sldMk cId="168476063" sldId="273"/>
@@ -241,8 +265,8 @@
           </ac:spMkLst>
         </pc:spChg>
       </pc:sldChg>
-      <pc:sldChg chg="addSp modSp new mod setBg setClrOvrMap">
-        <pc:chgData name="Mike Cairns" userId="63c70413ac02f94d" providerId="LiveId" clId="{B5FF3330-E54A-48A9-A189-01E1FAA48633}" dt="2020-02-01T15:44:10.150" v="49" actId="26606"/>
+      <pc:sldChg chg="addSp modSp new del mod setBg setClrOvrMap">
+        <pc:chgData name="Mike Cairns" userId="63c70413ac02f94d" providerId="LiveId" clId="{B5FF3330-E54A-48A9-A189-01E1FAA48633}" dt="2020-02-02T19:08:49.205" v="309" actId="47"/>
         <pc:sldMkLst>
           <pc:docMk/>
           <pc:sldMk cId="3343111770" sldId="274"/>
@@ -305,7 +329,7 @@
         </pc:picChg>
       </pc:sldChg>
       <pc:sldChg chg="modSp add mod">
-        <pc:chgData name="Mike Cairns" userId="63c70413ac02f94d" providerId="LiveId" clId="{B5FF3330-E54A-48A9-A189-01E1FAA48633}" dt="2020-02-01T16:25:46.093" v="225" actId="27636"/>
+        <pc:chgData name="Mike Cairns" userId="63c70413ac02f94d" providerId="LiveId" clId="{B5FF3330-E54A-48A9-A189-01E1FAA48633}" dt="2020-02-02T19:12:06.412" v="444" actId="313"/>
         <pc:sldMkLst>
           <pc:docMk/>
           <pc:sldMk cId="3489824263" sldId="275"/>
@@ -319,13 +343,203 @@
           </ac:spMkLst>
         </pc:spChg>
         <pc:spChg chg="mod">
-          <ac:chgData name="Mike Cairns" userId="63c70413ac02f94d" providerId="LiveId" clId="{B5FF3330-E54A-48A9-A189-01E1FAA48633}" dt="2020-02-01T16:25:46.093" v="225" actId="27636"/>
+          <ac:chgData name="Mike Cairns" userId="63c70413ac02f94d" providerId="LiveId" clId="{B5FF3330-E54A-48A9-A189-01E1FAA48633}" dt="2020-02-02T19:12:06.412" v="444" actId="313"/>
           <ac:spMkLst>
             <pc:docMk/>
             <pc:sldMk cId="3489824263" sldId="275"/>
             <ac:spMk id="3" creationId="{F6E40F16-0F89-4ED6-B021-4AF9712786D5}"/>
           </ac:spMkLst>
         </pc:spChg>
+      </pc:sldChg>
+      <pc:sldChg chg="addSp delSp modSp new mod">
+        <pc:chgData name="Mike Cairns" userId="63c70413ac02f94d" providerId="LiveId" clId="{B5FF3330-E54A-48A9-A189-01E1FAA48633}" dt="2020-02-02T19:41:46.827" v="722" actId="1076"/>
+        <pc:sldMkLst>
+          <pc:docMk/>
+          <pc:sldMk cId="2725981935" sldId="276"/>
+        </pc:sldMkLst>
+        <pc:spChg chg="mod">
+          <ac:chgData name="Mike Cairns" userId="63c70413ac02f94d" providerId="LiveId" clId="{B5FF3330-E54A-48A9-A189-01E1FAA48633}" dt="2020-02-02T19:21:12.019" v="561" actId="20577"/>
+          <ac:spMkLst>
+            <pc:docMk/>
+            <pc:sldMk cId="2725981935" sldId="276"/>
+            <ac:spMk id="2" creationId="{31892547-E1DD-4336-87E4-168B7FB1A270}"/>
+          </ac:spMkLst>
+        </pc:spChg>
+        <pc:spChg chg="del">
+          <ac:chgData name="Mike Cairns" userId="63c70413ac02f94d" providerId="LiveId" clId="{B5FF3330-E54A-48A9-A189-01E1FAA48633}" dt="2020-02-02T19:21:20.124" v="562" actId="478"/>
+          <ac:spMkLst>
+            <pc:docMk/>
+            <pc:sldMk cId="2725981935" sldId="276"/>
+            <ac:spMk id="3" creationId="{6F6DF078-E9FD-4ECB-82D3-87DDC5B776BD}"/>
+          </ac:spMkLst>
+        </pc:spChg>
+        <pc:picChg chg="add del mod">
+          <ac:chgData name="Mike Cairns" userId="63c70413ac02f94d" providerId="LiveId" clId="{B5FF3330-E54A-48A9-A189-01E1FAA48633}" dt="2020-02-02T19:26:10.473" v="570" actId="478"/>
+          <ac:picMkLst>
+            <pc:docMk/>
+            <pc:sldMk cId="2725981935" sldId="276"/>
+            <ac:picMk id="4" creationId="{E64B677F-6EFE-4EAB-876C-DEE5BFDCA062}"/>
+          </ac:picMkLst>
+        </pc:picChg>
+        <pc:picChg chg="add mod">
+          <ac:chgData name="Mike Cairns" userId="63c70413ac02f94d" providerId="LiveId" clId="{B5FF3330-E54A-48A9-A189-01E1FAA48633}" dt="2020-02-02T19:27:00.182" v="587" actId="1076"/>
+          <ac:picMkLst>
+            <pc:docMk/>
+            <pc:sldMk cId="2725981935" sldId="276"/>
+            <ac:picMk id="5" creationId="{5628D8A1-50CB-4CED-BF37-BBDB1BB2D4E6}"/>
+          </ac:picMkLst>
+        </pc:picChg>
+        <pc:picChg chg="add mod">
+          <ac:chgData name="Mike Cairns" userId="63c70413ac02f94d" providerId="LiveId" clId="{B5FF3330-E54A-48A9-A189-01E1FAA48633}" dt="2020-02-02T19:27:07.103" v="591" actId="1076"/>
+          <ac:picMkLst>
+            <pc:docMk/>
+            <pc:sldMk cId="2725981935" sldId="276"/>
+            <ac:picMk id="6" creationId="{8A9B70EA-FEB3-4D4D-9660-D52F5A6A975F}"/>
+          </ac:picMkLst>
+        </pc:picChg>
+        <pc:picChg chg="add mod">
+          <ac:chgData name="Mike Cairns" userId="63c70413ac02f94d" providerId="LiveId" clId="{B5FF3330-E54A-48A9-A189-01E1FAA48633}" dt="2020-02-02T19:41:45.993" v="721" actId="1076"/>
+          <ac:picMkLst>
+            <pc:docMk/>
+            <pc:sldMk cId="2725981935" sldId="276"/>
+            <ac:picMk id="7" creationId="{68C05883-3E4C-4ED9-B2F3-34F6B9E5F04F}"/>
+          </ac:picMkLst>
+        </pc:picChg>
+        <pc:picChg chg="add mod">
+          <ac:chgData name="Mike Cairns" userId="63c70413ac02f94d" providerId="LiveId" clId="{B5FF3330-E54A-48A9-A189-01E1FAA48633}" dt="2020-02-02T19:41:45.400" v="720" actId="1076"/>
+          <ac:picMkLst>
+            <pc:docMk/>
+            <pc:sldMk cId="2725981935" sldId="276"/>
+            <ac:picMk id="8" creationId="{DD58076B-5773-4B33-9072-EA0BF87C132C}"/>
+          </ac:picMkLst>
+        </pc:picChg>
+        <pc:picChg chg="add mod">
+          <ac:chgData name="Mike Cairns" userId="63c70413ac02f94d" providerId="LiveId" clId="{B5FF3330-E54A-48A9-A189-01E1FAA48633}" dt="2020-02-02T19:41:46.827" v="722" actId="1076"/>
+          <ac:picMkLst>
+            <pc:docMk/>
+            <pc:sldMk cId="2725981935" sldId="276"/>
+            <ac:picMk id="9" creationId="{0825635A-96D5-4C2B-8338-127B91E3E5A4}"/>
+          </ac:picMkLst>
+        </pc:picChg>
+      </pc:sldChg>
+      <pc:sldChg chg="addSp delSp modSp new mod ord setBg">
+        <pc:chgData name="Mike Cairns" userId="63c70413ac02f94d" providerId="LiveId" clId="{B5FF3330-E54A-48A9-A189-01E1FAA48633}" dt="2020-02-02T20:01:02.439" v="741" actId="26606"/>
+        <pc:sldMkLst>
+          <pc:docMk/>
+          <pc:sldMk cId="741898099" sldId="277"/>
+        </pc:sldMkLst>
+        <pc:spChg chg="mod">
+          <ac:chgData name="Mike Cairns" userId="63c70413ac02f94d" providerId="LiveId" clId="{B5FF3330-E54A-48A9-A189-01E1FAA48633}" dt="2020-02-02T20:01:02.439" v="741" actId="26606"/>
+          <ac:spMkLst>
+            <pc:docMk/>
+            <pc:sldMk cId="741898099" sldId="277"/>
+            <ac:spMk id="2" creationId="{6F229B2F-32FC-4047-83D4-48BFFC1BFD84}"/>
+          </ac:spMkLst>
+        </pc:spChg>
+        <pc:spChg chg="del">
+          <ac:chgData name="Mike Cairns" userId="63c70413ac02f94d" providerId="LiveId" clId="{B5FF3330-E54A-48A9-A189-01E1FAA48633}" dt="2020-02-02T19:37:36.948" v="705"/>
+          <ac:spMkLst>
+            <pc:docMk/>
+            <pc:sldMk cId="741898099" sldId="277"/>
+            <ac:spMk id="3" creationId="{1F90B396-B9FA-4A60-9ECA-1B72FC1470EC}"/>
+          </ac:spMkLst>
+        </pc:spChg>
+        <pc:spChg chg="add del mod">
+          <ac:chgData name="Mike Cairns" userId="63c70413ac02f94d" providerId="LiveId" clId="{B5FF3330-E54A-48A9-A189-01E1FAA48633}" dt="2020-02-02T19:39:55.347" v="713" actId="478"/>
+          <ac:spMkLst>
+            <pc:docMk/>
+            <pc:sldMk cId="741898099" sldId="277"/>
+            <ac:spMk id="7" creationId="{505C97BC-AA66-4A72-9DF3-20A1800EBC6C}"/>
+          </ac:spMkLst>
+        </pc:spChg>
+        <pc:spChg chg="add">
+          <ac:chgData name="Mike Cairns" userId="63c70413ac02f94d" providerId="LiveId" clId="{B5FF3330-E54A-48A9-A189-01E1FAA48633}" dt="2020-02-02T20:01:02.439" v="741" actId="26606"/>
+          <ac:spMkLst>
+            <pc:docMk/>
+            <pc:sldMk cId="741898099" sldId="277"/>
+            <ac:spMk id="17" creationId="{FF8A0554-081B-4FCD-B8AC-1F826E38FF9A}"/>
+          </ac:spMkLst>
+        </pc:spChg>
+        <pc:spChg chg="add">
+          <ac:chgData name="Mike Cairns" userId="63c70413ac02f94d" providerId="LiveId" clId="{B5FF3330-E54A-48A9-A189-01E1FAA48633}" dt="2020-02-02T20:01:02.439" v="741" actId="26606"/>
+          <ac:spMkLst>
+            <pc:docMk/>
+            <pc:sldMk cId="741898099" sldId="277"/>
+            <ac:spMk id="19" creationId="{406FFEE2-58A0-44A3-9892-24602A68808B}"/>
+          </ac:spMkLst>
+        </pc:spChg>
+        <pc:spChg chg="add">
+          <ac:chgData name="Mike Cairns" userId="63c70413ac02f94d" providerId="LiveId" clId="{B5FF3330-E54A-48A9-A189-01E1FAA48633}" dt="2020-02-02T20:01:02.439" v="741" actId="26606"/>
+          <ac:spMkLst>
+            <pc:docMk/>
+            <pc:sldMk cId="741898099" sldId="277"/>
+            <ac:spMk id="21" creationId="{69CA411D-D82A-4BF1-878C-4C25F8C77A6C}"/>
+          </ac:spMkLst>
+        </pc:spChg>
+        <pc:spChg chg="add">
+          <ac:chgData name="Mike Cairns" userId="63c70413ac02f94d" providerId="LiveId" clId="{B5FF3330-E54A-48A9-A189-01E1FAA48633}" dt="2020-02-02T20:01:02.439" v="741" actId="26606"/>
+          <ac:spMkLst>
+            <pc:docMk/>
+            <pc:sldMk cId="741898099" sldId="277"/>
+            <ac:spMk id="23" creationId="{C9BB7D94-2C4A-4F0F-8933-E3276A89936E}"/>
+          </ac:spMkLst>
+        </pc:spChg>
+        <pc:spChg chg="add">
+          <ac:chgData name="Mike Cairns" userId="63c70413ac02f94d" providerId="LiveId" clId="{B5FF3330-E54A-48A9-A189-01E1FAA48633}" dt="2020-02-02T20:01:02.439" v="741" actId="26606"/>
+          <ac:spMkLst>
+            <pc:docMk/>
+            <pc:sldMk cId="741898099" sldId="277"/>
+            <ac:spMk id="25" creationId="{2C166329-A912-4CA1-A632-89563D6609AA}"/>
+          </ac:spMkLst>
+        </pc:spChg>
+        <pc:spChg chg="add">
+          <ac:chgData name="Mike Cairns" userId="63c70413ac02f94d" providerId="LiveId" clId="{B5FF3330-E54A-48A9-A189-01E1FAA48633}" dt="2020-02-02T20:01:02.439" v="741" actId="26606"/>
+          <ac:spMkLst>
+            <pc:docMk/>
+            <pc:sldMk cId="741898099" sldId="277"/>
+            <ac:spMk id="27" creationId="{CFB54679-12EF-4E3F-B1F8-3750B8BD1934}"/>
+          </ac:spMkLst>
+        </pc:spChg>
+        <pc:picChg chg="add del mod">
+          <ac:chgData name="Mike Cairns" userId="63c70413ac02f94d" providerId="LiveId" clId="{B5FF3330-E54A-48A9-A189-01E1FAA48633}" dt="2020-02-02T19:38:43.538" v="708" actId="478"/>
+          <ac:picMkLst>
+            <pc:docMk/>
+            <pc:sldMk cId="741898099" sldId="277"/>
+            <ac:picMk id="4" creationId="{B561119C-8BED-4EAE-81CF-B197B2711AA8}"/>
+          </ac:picMkLst>
+        </pc:picChg>
+        <pc:picChg chg="add mod">
+          <ac:chgData name="Mike Cairns" userId="63c70413ac02f94d" providerId="LiveId" clId="{B5FF3330-E54A-48A9-A189-01E1FAA48633}" dt="2020-02-02T20:01:02.439" v="741" actId="26606"/>
+          <ac:picMkLst>
+            <pc:docMk/>
+            <pc:sldMk cId="741898099" sldId="277"/>
+            <ac:picMk id="5" creationId="{E8109C35-D79C-448B-813F-88CB84729B1B}"/>
+          </ac:picMkLst>
+        </pc:picChg>
+        <pc:picChg chg="add mod">
+          <ac:chgData name="Mike Cairns" userId="63c70413ac02f94d" providerId="LiveId" clId="{B5FF3330-E54A-48A9-A189-01E1FAA48633}" dt="2020-02-02T20:01:02.439" v="741" actId="26606"/>
+          <ac:picMkLst>
+            <pc:docMk/>
+            <pc:sldMk cId="741898099" sldId="277"/>
+            <ac:picMk id="8" creationId="{1AADDD8D-2C57-49AD-AE32-64983F473B75}"/>
+          </ac:picMkLst>
+        </pc:picChg>
+        <pc:picChg chg="add">
+          <ac:chgData name="Mike Cairns" userId="63c70413ac02f94d" providerId="LiveId" clId="{B5FF3330-E54A-48A9-A189-01E1FAA48633}" dt="2020-02-02T20:01:02.439" v="741" actId="26606"/>
+          <ac:picMkLst>
+            <pc:docMk/>
+            <pc:sldMk cId="741898099" sldId="277"/>
+            <ac:picMk id="13" creationId="{C413590B-CB36-47BC-B705-69813F7B5F6F}"/>
+          </ac:picMkLst>
+        </pc:picChg>
+        <pc:picChg chg="add">
+          <ac:chgData name="Mike Cairns" userId="63c70413ac02f94d" providerId="LiveId" clId="{B5FF3330-E54A-48A9-A189-01E1FAA48633}" dt="2020-02-02T20:01:02.439" v="741" actId="26606"/>
+          <ac:picMkLst>
+            <pc:docMk/>
+            <pc:sldMk cId="741898099" sldId="277"/>
+            <ac:picMk id="15" creationId="{D676F4B9-1E76-49E4-8A47-FBDCE00D43AC}"/>
+          </ac:picMkLst>
+        </pc:picChg>
       </pc:sldChg>
     </pc:docChg>
   </pc:docChgLst>
@@ -402,6 +616,20 @@
 </pc:chgInfo>
 </file>
 
+<file path=ppt/comments/comment1.xml><?xml version="1.0" encoding="utf-8"?>
+<p:cmLst xmlns:a="http://schemas.openxmlformats.org/drawingml/2006/main" xmlns:r="http://schemas.openxmlformats.org/officeDocument/2006/relationships" xmlns:p="http://schemas.openxmlformats.org/presentationml/2006/main">
+  <p:cm authorId="1" dt="2020-02-02T13:20:56.914" idx="2">
+    <p:pos x="10" y="10"/>
+    <p:text/>
+    <p:extLst>
+      <p:ext uri="{C676402C-5697-4E1C-873F-D02D1690AC5C}">
+        <p15:threadingInfo xmlns:p15="http://schemas.microsoft.com/office/powerpoint/2012/main" timeZoneBias="360"/>
+      </p:ext>
+    </p:extLst>
+  </p:cm>
+</p:cmLst>
+</file>
+
 <file path=ppt/notesMasters/notesMaster1.xml><?xml version="1.0" encoding="utf-8"?>
 <p:notesMaster xmlns:a="http://schemas.openxmlformats.org/drawingml/2006/main" xmlns:r="http://schemas.openxmlformats.org/officeDocument/2006/relationships" xmlns:p="http://schemas.openxmlformats.org/presentationml/2006/main">
   <p:cSld>
@@ -484,7 +712,7 @@
           <a:p>
             <a:fld id="{0E8D38DF-86C8-4FE8-BE16-ECC214407914}" type="datetimeFigureOut">
               <a:rPr lang="en-US" smtClean="0"/>
-              <a:t>2/1/2020</a:t>
+              <a:t>2/2/2020</a:t>
             </a:fld>
             <a:endParaRPr lang="en-US"/>
           </a:p>
@@ -882,7 +1110,34 @@
           <a:bodyPr/>
           <a:lstStyle/>
           <a:p>
-            <a:endParaRPr lang="en-US" dirty="0"/>
+            <a:r>
+              <a:rPr lang="en-US" dirty="0"/>
+              <a:t>Cities are more equipped</a:t>
+            </a:r>
+          </a:p>
+          <a:p>
+            <a:endParaRPr lang="en-US" dirty="0"/>
+          </a:p>
+          <a:p>
+            <a:r>
+              <a:rPr lang="en-US" dirty="0"/>
+              <a:t>1/3 of food goes to landfill</a:t>
+            </a:r>
+          </a:p>
+          <a:p>
+            <a:endParaRPr lang="en-US" dirty="0"/>
+          </a:p>
+          <a:p>
+            <a:endParaRPr lang="en-US" dirty="0"/>
+          </a:p>
+          <a:p>
+            <a:endParaRPr lang="en-US" dirty="0"/>
+          </a:p>
+          <a:p>
+            <a:r>
+              <a:rPr lang="en-US" dirty="0"/>
+              <a:t>s</a:t>
+            </a:r>
           </a:p>
         </p:txBody>
       </p:sp>
@@ -903,7 +1158,7 @@
           <a:p>
             <a:fld id="{DE799890-9F94-4CD0-A099-8B4535041991}" type="slidenum">
               <a:rPr lang="en-US" smtClean="0"/>
-              <a:t>4</a:t>
+              <a:t>2</a:t>
             </a:fld>
             <a:endParaRPr lang="en-US"/>
           </a:p>
@@ -912,7 +1167,7 @@
     </p:spTree>
     <p:extLst>
       <p:ext uri="{BB962C8B-B14F-4D97-AF65-F5344CB8AC3E}">
-        <p14:creationId xmlns:p14="http://schemas.microsoft.com/office/powerpoint/2010/main" val="3279940438"/>
+        <p14:creationId xmlns:p14="http://schemas.microsoft.com/office/powerpoint/2010/main" val="638660095"/>
       </p:ext>
     </p:extLst>
   </p:cSld>
@@ -1050,34 +1305,7 @@
           <a:bodyPr/>
           <a:lstStyle/>
           <a:p>
-            <a:r>
-              <a:rPr lang="en-US" dirty="0"/>
-              <a:t>Cities are more equipped</a:t>
-            </a:r>
-          </a:p>
-          <a:p>
-            <a:endParaRPr lang="en-US" dirty="0"/>
-          </a:p>
-          <a:p>
-            <a:r>
-              <a:rPr lang="en-US" dirty="0"/>
-              <a:t>1/3 of food goes to landfill</a:t>
-            </a:r>
-          </a:p>
-          <a:p>
-            <a:endParaRPr lang="en-US" dirty="0"/>
-          </a:p>
-          <a:p>
-            <a:endParaRPr lang="en-US" dirty="0"/>
-          </a:p>
-          <a:p>
-            <a:endParaRPr lang="en-US" dirty="0"/>
-          </a:p>
-          <a:p>
-            <a:r>
-              <a:rPr lang="en-US" dirty="0"/>
-              <a:t>s</a:t>
-            </a:r>
+            <a:endParaRPr lang="en-US" dirty="0"/>
           </a:p>
         </p:txBody>
       </p:sp>
@@ -1107,91 +1335,7 @@
     </p:spTree>
     <p:extLst>
       <p:ext uri="{BB962C8B-B14F-4D97-AF65-F5344CB8AC3E}">
-        <p14:creationId xmlns:p14="http://schemas.microsoft.com/office/powerpoint/2010/main" val="638660095"/>
-      </p:ext>
-    </p:extLst>
-  </p:cSld>
-  <p:clrMapOvr>
-    <a:masterClrMapping/>
-  </p:clrMapOvr>
-</p:notes>
-</file>
-
-<file path=ppt/notesSlides/notesSlide5.xml><?xml version="1.0" encoding="utf-8"?>
-<p:notes xmlns:a="http://schemas.openxmlformats.org/drawingml/2006/main" xmlns:r="http://schemas.openxmlformats.org/officeDocument/2006/relationships" xmlns:p="http://schemas.openxmlformats.org/presentationml/2006/main">
-  <p:cSld>
-    <p:spTree>
-      <p:nvGrpSpPr>
-        <p:cNvPr id="1" name=""/>
-        <p:cNvGrpSpPr/>
-        <p:nvPr/>
-      </p:nvGrpSpPr>
-      <p:grpSpPr>
-        <a:xfrm>
-          <a:off x="0" y="0"/>
-          <a:ext cx="0" cy="0"/>
-          <a:chOff x="0" y="0"/>
-          <a:chExt cx="0" cy="0"/>
-        </a:xfrm>
-      </p:grpSpPr>
-      <p:sp>
-        <p:nvSpPr>
-          <p:cNvPr id="2" name="Slide Image Placeholder 1"/>
-          <p:cNvSpPr>
-            <a:spLocks noGrp="1" noRot="1" noChangeAspect="1"/>
-          </p:cNvSpPr>
-          <p:nvPr>
-            <p:ph type="sldImg"/>
-          </p:nvPr>
-        </p:nvSpPr>
-        <p:spPr/>
-      </p:sp>
-      <p:sp>
-        <p:nvSpPr>
-          <p:cNvPr id="3" name="Notes Placeholder 2"/>
-          <p:cNvSpPr>
-            <a:spLocks noGrp="1"/>
-          </p:cNvSpPr>
-          <p:nvPr>
-            <p:ph type="body" idx="1"/>
-          </p:nvPr>
-        </p:nvSpPr>
-        <p:spPr/>
-        <p:txBody>
-          <a:bodyPr/>
-          <a:lstStyle/>
-          <a:p>
-            <a:endParaRPr lang="en-US" dirty="0"/>
-          </a:p>
-        </p:txBody>
-      </p:sp>
-      <p:sp>
-        <p:nvSpPr>
-          <p:cNvPr id="4" name="Slide Number Placeholder 3"/>
-          <p:cNvSpPr>
-            <a:spLocks noGrp="1"/>
-          </p:cNvSpPr>
-          <p:nvPr>
-            <p:ph type="sldNum" sz="quarter" idx="5"/>
-          </p:nvPr>
-        </p:nvSpPr>
-        <p:spPr/>
-        <p:txBody>
-          <a:bodyPr/>
-          <a:lstStyle/>
-          <a:p>
-            <a:fld id="{DE799890-9F94-4CD0-A099-8B4535041991}" type="slidenum">
-              <a:rPr lang="en-US" smtClean="0"/>
-              <a:t>7</a:t>
-            </a:fld>
-            <a:endParaRPr lang="en-US"/>
-          </a:p>
-        </p:txBody>
-      </p:sp>
-    </p:spTree>
-    <p:extLst>
-      <p:ext uri="{BB962C8B-B14F-4D97-AF65-F5344CB8AC3E}">
-        <p14:creationId xmlns:p14="http://schemas.microsoft.com/office/powerpoint/2010/main" val="3856419216"/>
+        <p14:creationId xmlns:p14="http://schemas.microsoft.com/office/powerpoint/2010/main" val="1685096491"/>
       </p:ext>
     </p:extLst>
   </p:cSld>
@@ -1371,7 +1515,7 @@
           <a:p>
             <a:fld id="{48A87A34-81AB-432B-8DAE-1953F412C126}" type="datetimeFigureOut">
               <a:rPr lang="en-US" dirty="0"/>
-              <a:t>2/1/2020</a:t>
+              <a:t>2/2/2020</a:t>
             </a:fld>
             <a:endParaRPr lang="en-US" dirty="0"/>
           </a:p>
@@ -1633,7 +1777,7 @@
           <a:p>
             <a:fld id="{48A87A34-81AB-432B-8DAE-1953F412C126}" type="datetimeFigureOut">
               <a:rPr lang="en-US" dirty="0"/>
-              <a:t>2/1/2020</a:t>
+              <a:t>2/2/2020</a:t>
             </a:fld>
             <a:endParaRPr lang="en-US" dirty="0"/>
           </a:p>
@@ -1860,7 +2004,7 @@
             <a:fld id="{48A87A34-81AB-432B-8DAE-1953F412C126}" type="datetimeFigureOut">
               <a:rPr lang="en-US" dirty="0"/>
               <a:pPr/>
-              <a:t>2/1/2020</a:t>
+              <a:t>2/2/2020</a:t>
             </a:fld>
             <a:endParaRPr lang="en-US" dirty="0"/>
           </a:p>
@@ -2166,7 +2310,7 @@
             <a:fld id="{48A87A34-81AB-432B-8DAE-1953F412C126}" type="datetimeFigureOut">
               <a:rPr lang="en-US" dirty="0"/>
               <a:pPr/>
-              <a:t>2/1/2020</a:t>
+              <a:t>2/2/2020</a:t>
             </a:fld>
             <a:endParaRPr lang="en-US" dirty="0"/>
           </a:p>
@@ -2635,7 +2779,7 @@
             <a:fld id="{48A87A34-81AB-432B-8DAE-1953F412C126}" type="datetimeFigureOut">
               <a:rPr lang="en-US" dirty="0"/>
               <a:pPr/>
-              <a:t>2/1/2020</a:t>
+              <a:t>2/2/2020</a:t>
             </a:fld>
             <a:endParaRPr lang="en-US" dirty="0"/>
           </a:p>
@@ -3177,7 +3321,7 @@
           <a:p>
             <a:fld id="{48A87A34-81AB-432B-8DAE-1953F412C126}" type="datetimeFigureOut">
               <a:rPr lang="en-US" dirty="0"/>
-              <a:t>2/1/2020</a:t>
+              <a:t>2/2/2020</a:t>
             </a:fld>
             <a:endParaRPr lang="en-US" dirty="0"/>
           </a:p>
@@ -3946,7 +4090,7 @@
           <a:p>
             <a:fld id="{48A87A34-81AB-432B-8DAE-1953F412C126}" type="datetimeFigureOut">
               <a:rPr lang="en-US" dirty="0"/>
-              <a:t>2/1/2020</a:t>
+              <a:t>2/2/2020</a:t>
             </a:fld>
             <a:endParaRPr lang="en-US" dirty="0"/>
           </a:p>
@@ -4116,7 +4260,7 @@
           <a:p>
             <a:fld id="{48A87A34-81AB-432B-8DAE-1953F412C126}" type="datetimeFigureOut">
               <a:rPr lang="en-US" dirty="0"/>
-              <a:t>2/1/2020</a:t>
+              <a:t>2/2/2020</a:t>
             </a:fld>
             <a:endParaRPr lang="en-US" dirty="0"/>
           </a:p>
@@ -4335,7 +4479,7 @@
             <a:fld id="{48A87A34-81AB-432B-8DAE-1953F412C126}" type="datetimeFigureOut">
               <a:rPr lang="en-US" dirty="0"/>
               <a:pPr/>
-              <a:t>2/1/2020</a:t>
+              <a:t>2/2/2020</a:t>
             </a:fld>
             <a:endParaRPr lang="en-US" dirty="0"/>
           </a:p>
@@ -4510,7 +4654,7 @@
           <a:p>
             <a:fld id="{48A87A34-81AB-432B-8DAE-1953F412C126}" type="datetimeFigureOut">
               <a:rPr lang="en-US" dirty="0"/>
-              <a:t>2/1/2020</a:t>
+              <a:t>2/2/2020</a:t>
             </a:fld>
             <a:endParaRPr lang="en-US" dirty="0"/>
           </a:p>
@@ -4795,7 +4939,7 @@
             <a:fld id="{48A87A34-81AB-432B-8DAE-1953F412C126}" type="datetimeFigureOut">
               <a:rPr lang="en-US" dirty="0"/>
               <a:pPr/>
-              <a:t>2/1/2020</a:t>
+              <a:t>2/2/2020</a:t>
             </a:fld>
             <a:endParaRPr lang="en-US" dirty="0"/>
           </a:p>
@@ -5032,7 +5176,7 @@
           <a:p>
             <a:fld id="{48A87A34-81AB-432B-8DAE-1953F412C126}" type="datetimeFigureOut">
               <a:rPr lang="en-US" dirty="0"/>
-              <a:t>2/1/2020</a:t>
+              <a:t>2/2/2020</a:t>
             </a:fld>
             <a:endParaRPr lang="en-US" dirty="0"/>
           </a:p>
@@ -5406,7 +5550,7 @@
           <a:p>
             <a:fld id="{48A87A34-81AB-432B-8DAE-1953F412C126}" type="datetimeFigureOut">
               <a:rPr lang="en-US" dirty="0"/>
-              <a:t>2/1/2020</a:t>
+              <a:t>2/2/2020</a:t>
             </a:fld>
             <a:endParaRPr lang="en-US" dirty="0"/>
           </a:p>
@@ -5519,7 +5663,7 @@
           <a:p>
             <a:fld id="{48A87A34-81AB-432B-8DAE-1953F412C126}" type="datetimeFigureOut">
               <a:rPr lang="en-US" dirty="0"/>
-              <a:t>2/1/2020</a:t>
+              <a:t>2/2/2020</a:t>
             </a:fld>
             <a:endParaRPr lang="en-US" dirty="0"/>
           </a:p>
@@ -5609,7 +5753,7 @@
           <a:p>
             <a:fld id="{48A87A34-81AB-432B-8DAE-1953F412C126}" type="datetimeFigureOut">
               <a:rPr lang="en-US" dirty="0"/>
-              <a:t>2/1/2020</a:t>
+              <a:t>2/2/2020</a:t>
             </a:fld>
             <a:endParaRPr lang="en-US" dirty="0"/>
           </a:p>
@@ -5853,7 +5997,7 @@
           <a:p>
             <a:fld id="{48A87A34-81AB-432B-8DAE-1953F412C126}" type="datetimeFigureOut">
               <a:rPr lang="en-US" dirty="0"/>
-              <a:t>2/1/2020</a:t>
+              <a:t>2/2/2020</a:t>
             </a:fld>
             <a:endParaRPr lang="en-US" dirty="0"/>
           </a:p>
@@ -6105,7 +6249,7 @@
           <a:p>
             <a:fld id="{48A87A34-81AB-432B-8DAE-1953F412C126}" type="datetimeFigureOut">
               <a:rPr lang="en-US" dirty="0"/>
-              <a:t>2/1/2020</a:t>
+              <a:t>2/2/2020</a:t>
             </a:fld>
             <a:endParaRPr lang="en-US" dirty="0"/>
           </a:p>
@@ -6344,7 +6488,7 @@
             <a:fld id="{48A87A34-81AB-432B-8DAE-1953F412C126}" type="datetimeFigureOut">
               <a:rPr lang="en-US" dirty="0"/>
               <a:pPr/>
-              <a:t>2/1/2020</a:t>
+              <a:t>2/2/2020</a:t>
             </a:fld>
             <a:endParaRPr lang="en-US" dirty="0"/>
           </a:p>
@@ -6774,8 +6918,13 @@
           <a:p>
             <a:r>
               <a:rPr lang="en-US" dirty="0"/>
-              <a:t>Feed the Hungry with food waste</a:t>
-            </a:r>
+              <a:t>Feed the Hungry with </a:t>
+            </a:r>
+            <a:r>
+              <a:rPr lang="en-US" dirty="0" err="1"/>
+              <a:t>foodbot</a:t>
+            </a:r>
+            <a:endParaRPr lang="en-US" dirty="0"/>
           </a:p>
         </p:txBody>
       </p:sp>
@@ -6850,7 +6999,7 @@
           <p:cNvPr id="2" name="Title 1">
             <a:extLst>
               <a:ext uri="{FF2B5EF4-FFF2-40B4-BE49-F238E27FC236}">
-                <a16:creationId xmlns:a16="http://schemas.microsoft.com/office/drawing/2014/main" id="{4A34215E-50F8-42B6-AEC2-61BF58911967}"/>
+                <a16:creationId xmlns:a16="http://schemas.microsoft.com/office/drawing/2014/main" id="{D93D931E-45C9-4893-B6FD-9CBFE23B6051}"/>
               </a:ext>
             </a:extLst>
           </p:cNvPr>
@@ -6868,7 +7017,7 @@
           <a:p>
             <a:r>
               <a:rPr lang="en-US" dirty="0"/>
-              <a:t>What is My Hack</a:t>
+              <a:t>Resources</a:t>
             </a:r>
           </a:p>
         </p:txBody>
@@ -6878,7 +7027,7 @@
           <p:cNvPr id="3" name="Content Placeholder 2">
             <a:extLst>
               <a:ext uri="{FF2B5EF4-FFF2-40B4-BE49-F238E27FC236}">
-                <a16:creationId xmlns:a16="http://schemas.microsoft.com/office/drawing/2014/main" id="{F6E40F16-0F89-4ED6-B021-4AF9712786D5}"/>
+                <a16:creationId xmlns:a16="http://schemas.microsoft.com/office/drawing/2014/main" id="{0475A2A6-0762-4186-A4DA-37F4AD7AF77E}"/>
               </a:ext>
             </a:extLst>
           </p:cNvPr>
@@ -6892,7 +7041,7 @@
         <p:spPr/>
         <p:txBody>
           <a:bodyPr>
-            <a:normAutofit/>
+            <a:normAutofit fontScale="92500" lnSpcReduction="20000"/>
           </a:bodyPr>
           <a:lstStyle/>
           <a:p>
@@ -6900,8 +7049,43 @@
               <a:buNone/>
             </a:pPr>
             <a:r>
+              <a:rPr lang="en-US" dirty="0">
+                <a:hlinkClick r:id="rId3"/>
+              </a:rPr>
+              <a:t>https://www.nrdc.org/issues/food-waste</a:t>
+            </a:r>
+            <a:br>
               <a:rPr lang="en-US" dirty="0"/>
-              <a:t>Goal of my Hack</a:t>
+            </a:br>
+            <a:endParaRPr lang="en-US" dirty="0"/>
+          </a:p>
+          <a:p>
+            <a:pPr lvl="1"/>
+            <a:r>
+              <a:rPr lang="en-US" dirty="0"/>
+              <a:t>“40% of the food in the United States is never eaten, but 1 in 8 Americans struggle to put enough food on the table.”</a:t>
+            </a:r>
+            <a:br>
+              <a:rPr lang="en-US" dirty="0"/>
+            </a:br>
+            <a:endParaRPr lang="en-US" dirty="0"/>
+          </a:p>
+          <a:p>
+            <a:pPr lvl="1"/>
+            <a:r>
+              <a:rPr lang="en-US" dirty="0"/>
+              <a:t>“&gt; 30% of all food in some cities goes to the landfill”</a:t>
+            </a:r>
+          </a:p>
+          <a:p>
+            <a:pPr lvl="1"/>
+            <a:endParaRPr lang="en-US" dirty="0"/>
+          </a:p>
+          <a:p>
+            <a:pPr lvl="1"/>
+            <a:r>
+              <a:rPr lang="en-US" dirty="0"/>
+              <a:t>“Food waste drives more emissions than the airline industry”</a:t>
             </a:r>
           </a:p>
           <a:p>
@@ -6909,43 +7093,111 @@
               <a:buNone/>
             </a:pPr>
             <a:r>
+              <a:rPr lang="en-US" dirty="0">
+                <a:hlinkClick r:id="rId4"/>
+              </a:rPr>
+              <a:t>https://en.wikipedia.org/wiki/Food_waste</a:t>
+            </a:r>
+            <a:endParaRPr lang="en-US" dirty="0"/>
+          </a:p>
+          <a:p>
+            <a:pPr lvl="1"/>
+            <a:r>
+              <a:rPr lang="en-US" b="1" dirty="0"/>
+              <a:t>“Food waste</a:t>
+            </a:r>
+            <a:r>
               <a:rPr lang="en-US" dirty="0"/>
-              <a:t>To find a way to accomplish 2 things</a:t>
-            </a:r>
-          </a:p>
-          <a:p>
-            <a:pPr marL="457200" indent="-457200">
-              <a:buAutoNum type="arabicPeriod"/>
+              <a:t> or </a:t>
+            </a:r>
+            <a:r>
+              <a:rPr lang="en-US" b="1" dirty="0"/>
+              <a:t>food loss</a:t>
+            </a:r>
+            <a:r>
+              <a:rPr lang="en-US" dirty="0"/>
+              <a:t> is </a:t>
+            </a:r>
+            <a:r>
+              <a:rPr lang="en-US" dirty="0">
+                <a:hlinkClick r:id="rId5" tooltip="Food"/>
+              </a:rPr>
+              <a:t>food</a:t>
+            </a:r>
+            <a:r>
+              <a:rPr lang="en-US" dirty="0"/>
+              <a:t> that is wasted, lost or uneaten. The causes of food waste or loss are numerous and occur at the stages of </a:t>
+            </a:r>
+            <a:r>
+              <a:rPr lang="en-US" dirty="0">
+                <a:hlinkClick r:id="rId6" tooltip="Food production"/>
+              </a:rPr>
+              <a:t>producing</a:t>
+            </a:r>
+            <a:r>
+              <a:rPr lang="en-US" dirty="0"/>
+              <a:t>, </a:t>
+            </a:r>
+            <a:r>
+              <a:rPr lang="en-US" dirty="0">
+                <a:hlinkClick r:id="rId7" tooltip="Food processing"/>
+              </a:rPr>
+              <a:t>processing</a:t>
+            </a:r>
+            <a:r>
+              <a:rPr lang="en-US" dirty="0"/>
+              <a:t>, retailing and consuming.” </a:t>
+            </a:r>
+          </a:p>
+          <a:p>
+            <a:pPr marL="0" indent="0">
+              <a:buNone/>
             </a:pPr>
             <a:r>
-              <a:rPr lang="en-US" dirty="0"/>
-              <a:t>Reduce food waste</a:t>
-            </a:r>
-          </a:p>
-          <a:p>
-            <a:pPr marL="457200" indent="-457200">
-              <a:buAutoNum type="arabicPeriod"/>
+              <a:rPr lang="en-US" dirty="0">
+                <a:hlinkClick r:id="rId8"/>
+              </a:rPr>
+              <a:t>https://www.theguardian.com/world/2016/feb/04/french-law-forbids-food-waste-by-supermarkets</a:t>
+            </a:r>
+            <a:endParaRPr lang="en-US" dirty="0"/>
+          </a:p>
+          <a:p>
+            <a:pPr lvl="1"/>
+            <a:r>
+              <a:rPr lang="en-US" b="1" dirty="0"/>
+              <a:t>“Food banks and other charities welcome law-making large shops donate unsold food and stop spoiling items to deter foragers”</a:t>
+            </a:r>
+          </a:p>
+          <a:p>
+            <a:pPr marL="0" indent="0">
+              <a:buNone/>
             </a:pPr>
-            <a:r>
-              <a:rPr lang="en-US" dirty="0"/>
-              <a:t>Feed the hungry</a:t>
-            </a:r>
-          </a:p>
-          <a:p>
-            <a:pPr marL="457200" indent="-457200">
-              <a:buAutoNum type="arabicPeriod"/>
+            <a:endParaRPr lang="en-US" dirty="0"/>
+          </a:p>
+          <a:p>
+            <a:pPr marL="0" indent="0">
+              <a:buNone/>
             </a:pPr>
-            <a:r>
-              <a:rPr lang="en-US" dirty="0"/>
-              <a:t>Help feed animals</a:t>
-            </a:r>
+            <a:endParaRPr lang="en-US" dirty="0"/>
+          </a:p>
+          <a:p>
+            <a:pPr marL="0" indent="0">
+              <a:buNone/>
+            </a:pPr>
+            <a:endParaRPr lang="en-US" dirty="0"/>
+          </a:p>
+          <a:p>
+            <a:pPr marL="0" indent="0">
+              <a:buNone/>
+            </a:pPr>
+            <a:endParaRPr lang="en-US" dirty="0"/>
           </a:p>
         </p:txBody>
       </p:sp>
     </p:spTree>
     <p:extLst>
       <p:ext uri="{BB962C8B-B14F-4D97-AF65-F5344CB8AC3E}">
-        <p14:creationId xmlns:p14="http://schemas.microsoft.com/office/powerpoint/2010/main" val="4050894198"/>
+        <p14:creationId xmlns:p14="http://schemas.microsoft.com/office/powerpoint/2010/main" val="2803770446"/>
       </p:ext>
     </p:extLst>
   </p:cSld>
@@ -6995,7 +7247,7 @@
           <a:p>
             <a:r>
               <a:rPr lang="en-US" dirty="0"/>
-              <a:t>What is My Hack’s impact</a:t>
+              <a:t>What is My Hack</a:t>
             </a:r>
           </a:p>
         </p:txBody>
@@ -7016,102 +7268,116 @@
             <p:ph idx="1"/>
           </p:nvPr>
         </p:nvSpPr>
-        <p:spPr/>
+        <p:spPr>
+          <a:xfrm>
+            <a:off x="685800" y="2194560"/>
+            <a:ext cx="5088537" cy="4024125"/>
+          </a:xfrm>
+        </p:spPr>
         <p:txBody>
           <a:bodyPr>
-            <a:normAutofit lnSpcReduction="10000"/>
+            <a:normAutofit/>
           </a:bodyPr>
           <a:lstStyle/>
           <a:p>
+            <a:pPr marL="0" indent="0">
+              <a:buNone/>
+            </a:pPr>
             <a:r>
               <a:rPr lang="en-US" dirty="0"/>
-              <a:t>Education</a:t>
-            </a:r>
-          </a:p>
-          <a:p>
-            <a:pPr lvl="1"/>
+              <a:t>Goal of my Hack</a:t>
+            </a:r>
+          </a:p>
+          <a:p>
+            <a:pPr marL="0" indent="0">
+              <a:buNone/>
+            </a:pPr>
             <a:r>
               <a:rPr lang="en-US" dirty="0"/>
-              <a:t>Feed hungry kids</a:t>
-            </a:r>
-          </a:p>
-          <a:p>
-            <a:pPr lvl="1"/>
+              <a:t>To find a way to accomplish 2 things</a:t>
+            </a:r>
+          </a:p>
+          <a:p>
+            <a:pPr marL="457200" indent="-457200">
+              <a:buAutoNum type="arabicPeriod"/>
+            </a:pPr>
             <a:r>
               <a:rPr lang="en-US" dirty="0"/>
-              <a:t>School Lunch Waste (Give food to kids in summer)</a:t>
-            </a:r>
-          </a:p>
-          <a:p>
+              <a:t>Reduce food waste</a:t>
+            </a:r>
+          </a:p>
+          <a:p>
+            <a:pPr marL="457200" indent="-457200">
+              <a:buAutoNum type="arabicPeriod"/>
+            </a:pPr>
             <a:r>
               <a:rPr lang="en-US" dirty="0"/>
-              <a:t>Healthcare</a:t>
-            </a:r>
-          </a:p>
-          <a:p>
-            <a:pPr lvl="1"/>
+              <a:t>Feed the hungry (humans and animals)</a:t>
+            </a:r>
+          </a:p>
+          <a:p>
+            <a:pPr marL="914400" lvl="1" indent="-457200">
+              <a:buAutoNum type="arabicPeriod"/>
+            </a:pPr>
             <a:r>
               <a:rPr lang="en-US" dirty="0"/>
-              <a:t>Improper Nutrition is often the precursor to many diseases</a:t>
-            </a:r>
-          </a:p>
-          <a:p>
-            <a:pPr lvl="1"/>
+              <a:t>Stock Food Banks</a:t>
+            </a:r>
+          </a:p>
+          <a:p>
+            <a:pPr marL="914400" lvl="1" indent="-457200">
+              <a:buAutoNum type="arabicPeriod"/>
+            </a:pPr>
             <a:r>
               <a:rPr lang="en-US" dirty="0"/>
-              <a:t>Waste food from Hospitals</a:t>
-            </a:r>
-          </a:p>
-          <a:p>
-            <a:pPr lvl="1"/>
+              <a:t>Animal Shelter Donations</a:t>
+            </a:r>
+          </a:p>
+          <a:p>
+            <a:pPr marL="914400" lvl="1" indent="-457200">
+              <a:buAutoNum type="arabicPeriod"/>
+            </a:pPr>
             <a:r>
               <a:rPr lang="en-US" dirty="0"/>
-              <a:t>Notify of free vaccinations </a:t>
-            </a:r>
-            <a:r>
-              <a:rPr lang="en-US" dirty="0" err="1"/>
-              <a:t>Loations</a:t>
-            </a:r>
-            <a:endParaRPr lang="en-US" dirty="0"/>
-          </a:p>
-          <a:p>
-            <a:r>
-              <a:rPr lang="en-US" dirty="0"/>
-              <a:t>Energy &amp; Environment</a:t>
-            </a:r>
-          </a:p>
-          <a:p>
-            <a:pPr lvl="1"/>
-            <a:r>
-              <a:rPr lang="en-US" dirty="0"/>
-              <a:t>Transporting of food has a carbon footprint.  Reduce distance food must travel</a:t>
-            </a:r>
-          </a:p>
-          <a:p>
-            <a:r>
-              <a:rPr lang="en-US" dirty="0"/>
-              <a:t>St. Mary’s Food Bank</a:t>
-            </a:r>
-          </a:p>
-          <a:p>
-            <a:pPr lvl="1"/>
-            <a:r>
-              <a:rPr lang="en-US" dirty="0"/>
-              <a:t>Food Banks </a:t>
-            </a:r>
-          </a:p>
-          <a:p>
-            <a:pPr marL="0" indent="0">
-              <a:buNone/>
-            </a:pPr>
-            <a:endParaRPr lang="en-US" dirty="0"/>
-          </a:p>
-        </p:txBody>
-      </p:sp>
+              <a:t>Direct to hungry</a:t>
+            </a:r>
+          </a:p>
+        </p:txBody>
+      </p:sp>
+      <p:pic>
+        <p:nvPicPr>
+          <p:cNvPr id="5" name="Picture 4">
+            <a:extLst>
+              <a:ext uri="{FF2B5EF4-FFF2-40B4-BE49-F238E27FC236}">
+                <a16:creationId xmlns:a16="http://schemas.microsoft.com/office/drawing/2014/main" id="{9794B757-A464-4916-9198-090E6782ACD6}"/>
+              </a:ext>
+            </a:extLst>
+          </p:cNvPr>
+          <p:cNvPicPr>
+            <a:picLocks noChangeAspect="1"/>
+          </p:cNvPicPr>
+          <p:nvPr/>
+        </p:nvPicPr>
+        <p:blipFill>
+          <a:blip r:embed="rId2"/>
+          <a:stretch>
+            <a:fillRect/>
+          </a:stretch>
+        </p:blipFill>
+        <p:spPr>
+          <a:xfrm>
+            <a:off x="6096000" y="1951595"/>
+            <a:ext cx="5286375" cy="3943350"/>
+          </a:xfrm>
+          <a:prstGeom prst="rect">
+            <a:avLst/>
+          </a:prstGeom>
+        </p:spPr>
+      </p:pic>
     </p:spTree>
     <p:extLst>
       <p:ext uri="{BB962C8B-B14F-4D97-AF65-F5344CB8AC3E}">
-        <p14:creationId xmlns:p14="http://schemas.microsoft.com/office/powerpoint/2010/main" val="3489824263"/>
+        <p14:creationId xmlns:p14="http://schemas.microsoft.com/office/powerpoint/2010/main" val="4050894198"/>
       </p:ext>
     </p:extLst>
   </p:cSld>
@@ -7143,7 +7409,7 @@
           <p:cNvPr id="2" name="Title 1">
             <a:extLst>
               <a:ext uri="{FF2B5EF4-FFF2-40B4-BE49-F238E27FC236}">
-                <a16:creationId xmlns:a16="http://schemas.microsoft.com/office/drawing/2014/main" id="{4D7C3982-963C-4A8D-8239-6CDC986ACFA7}"/>
+                <a16:creationId xmlns:a16="http://schemas.microsoft.com/office/drawing/2014/main" id="{4A34215E-50F8-42B6-AEC2-61BF58911967}"/>
               </a:ext>
             </a:extLst>
           </p:cNvPr>
@@ -7156,24 +7422,22 @@
         </p:nvSpPr>
         <p:spPr/>
         <p:txBody>
-          <a:bodyPr vert="horz" lIns="91440" tIns="45720" rIns="91440" bIns="45720" rtlCol="0">
-            <a:normAutofit/>
-          </a:bodyPr>
+          <a:bodyPr/>
           <a:lstStyle/>
           <a:p>
             <a:r>
-              <a:rPr lang="en-US" sz="3600" dirty="0"/>
-              <a:t>Functions of application</a:t>
-            </a:r>
-          </a:p>
-        </p:txBody>
-      </p:sp>
-      <p:sp>
-        <p:nvSpPr>
-          <p:cNvPr id="9" name="Content Placeholder 8">
+              <a:rPr lang="en-US" dirty="0"/>
+              <a:t>What is My Hack’s impact</a:t>
+            </a:r>
+          </a:p>
+        </p:txBody>
+      </p:sp>
+      <p:sp>
+        <p:nvSpPr>
+          <p:cNvPr id="3" name="Content Placeholder 2">
             <a:extLst>
               <a:ext uri="{FF2B5EF4-FFF2-40B4-BE49-F238E27FC236}">
-                <a16:creationId xmlns:a16="http://schemas.microsoft.com/office/drawing/2014/main" id="{9C6539A2-81F1-4AA8-8D21-2F45ED0AC62E}"/>
+                <a16:creationId xmlns:a16="http://schemas.microsoft.com/office/drawing/2014/main" id="{F6E40F16-0F89-4ED6-B021-4AF9712786D5}"/>
               </a:ext>
             </a:extLst>
           </p:cNvPr>
@@ -7186,105 +7450,101 @@
         </p:nvSpPr>
         <p:spPr/>
         <p:txBody>
-          <a:bodyPr vert="horz" lIns="91440" tIns="45720" rIns="91440" bIns="45720" rtlCol="0">
-            <a:normAutofit/>
+          <a:bodyPr>
+            <a:normAutofit lnSpcReduction="10000"/>
           </a:bodyPr>
           <a:lstStyle/>
           <a:p>
-            <a:pPr marL="342900" indent="-342900">
-              <a:buAutoNum type="arabicPeriod"/>
+            <a:r>
+              <a:rPr lang="en-US" dirty="0"/>
+              <a:t>Education</a:t>
+            </a:r>
+          </a:p>
+          <a:p>
+            <a:pPr lvl="1"/>
+            <a:r>
+              <a:rPr lang="en-US" dirty="0"/>
+              <a:t>Feed hungry kids</a:t>
+            </a:r>
+          </a:p>
+          <a:p>
+            <a:pPr lvl="1"/>
+            <a:r>
+              <a:rPr lang="en-US" dirty="0"/>
+              <a:t>School Lunch Waste (Give food to kids in summer)</a:t>
+            </a:r>
+          </a:p>
+          <a:p>
+            <a:r>
+              <a:rPr lang="en-US" dirty="0"/>
+              <a:t>Healthcare</a:t>
+            </a:r>
+          </a:p>
+          <a:p>
+            <a:pPr lvl="1"/>
+            <a:r>
+              <a:rPr lang="en-US" dirty="0"/>
+              <a:t>Improper Nutrition is often the precursor to many diseases</a:t>
+            </a:r>
+          </a:p>
+          <a:p>
+            <a:pPr lvl="1"/>
+            <a:r>
+              <a:rPr lang="en-US" dirty="0"/>
+              <a:t>Waste food from Hospitals</a:t>
+            </a:r>
+          </a:p>
+          <a:p>
+            <a:pPr lvl="1"/>
+            <a:r>
+              <a:rPr lang="en-US" dirty="0"/>
+              <a:t>Notify of free vaccinations Locations</a:t>
+            </a:r>
+          </a:p>
+          <a:p>
+            <a:r>
+              <a:rPr lang="en-US" dirty="0"/>
+              <a:t>Energy &amp; Environment</a:t>
+            </a:r>
+          </a:p>
+          <a:p>
+            <a:pPr lvl="1"/>
+            <a:r>
+              <a:rPr lang="en-US" dirty="0"/>
+              <a:t>Transporting of food has a carbon footprint.  Reduce distance food must travel</a:t>
+            </a:r>
+          </a:p>
+          <a:p>
+            <a:r>
+              <a:rPr lang="en-US" dirty="0"/>
+              <a:t>St. Mary’s Food Bank</a:t>
+            </a:r>
+          </a:p>
+          <a:p>
+            <a:pPr lvl="1"/>
+            <a:r>
+              <a:rPr lang="en-US" dirty="0"/>
+              <a:t>Food Banks </a:t>
+            </a:r>
+          </a:p>
+          <a:p>
+            <a:pPr marL="0" indent="0">
+              <a:buNone/>
             </a:pPr>
-            <a:r>
-              <a:rPr lang="en-US" sz="1600" dirty="0"/>
-              <a:t>Match food need with food demand via SMS or an app</a:t>
-            </a:r>
-          </a:p>
-          <a:p>
-            <a:pPr marL="342900" indent="-342900">
-              <a:buAutoNum type="arabicPeriod"/>
-            </a:pPr>
-            <a:r>
-              <a:rPr lang="en-US" sz="1600" dirty="0"/>
-              <a:t>Keep food local</a:t>
-            </a:r>
-          </a:p>
-          <a:p>
-            <a:pPr marL="800100" lvl="1" indent="-342900">
-              <a:buAutoNum type="arabicPeriod"/>
-            </a:pPr>
-            <a:r>
-              <a:rPr lang="en-US" sz="1400" dirty="0"/>
-              <a:t>Use GPS to match food need to food demand</a:t>
-            </a:r>
-          </a:p>
-          <a:p>
-            <a:pPr marL="342900" indent="-342900">
-              <a:buAutoNum type="arabicPeriod"/>
-            </a:pPr>
-            <a:r>
-              <a:rPr lang="en-US" sz="1600" dirty="0"/>
-              <a:t>Reduce food waste</a:t>
-            </a:r>
-          </a:p>
-          <a:p>
-            <a:pPr marL="800100" lvl="1" indent="-342900">
-              <a:buAutoNum type="arabicPeriod"/>
-            </a:pPr>
-            <a:r>
-              <a:rPr lang="en-US" sz="1400" dirty="0"/>
-              <a:t>Fast Food</a:t>
-            </a:r>
-          </a:p>
-          <a:p>
-            <a:pPr marL="800100" lvl="1" indent="-342900">
-              <a:buAutoNum type="arabicPeriod"/>
-            </a:pPr>
-            <a:r>
-              <a:rPr lang="en-US" sz="1400" dirty="0"/>
-              <a:t>Supermarkets</a:t>
-            </a:r>
-          </a:p>
-          <a:p>
-            <a:pPr marL="800100" lvl="1" indent="-342900">
-              <a:buAutoNum type="arabicPeriod"/>
-            </a:pPr>
-            <a:r>
-              <a:rPr lang="en-US" sz="1400" dirty="0"/>
-              <a:t>Food Charities</a:t>
-            </a:r>
-          </a:p>
-          <a:p>
-            <a:pPr marL="342900" indent="-342900">
-              <a:buAutoNum type="arabicPeriod"/>
-            </a:pPr>
-            <a:endParaRPr lang="en-US" sz="1600" dirty="0"/>
-          </a:p>
-          <a:p>
-            <a:pPr marL="342900" indent="-342900">
-              <a:buAutoNum type="arabicPeriod"/>
-            </a:pPr>
-            <a:endParaRPr lang="en-US" sz="1600" dirty="0"/>
+            <a:endParaRPr lang="en-US" dirty="0"/>
           </a:p>
         </p:txBody>
       </p:sp>
     </p:spTree>
     <p:extLst>
       <p:ext uri="{BB962C8B-B14F-4D97-AF65-F5344CB8AC3E}">
-        <p14:creationId xmlns:p14="http://schemas.microsoft.com/office/powerpoint/2010/main" val="2981146111"/>
+        <p14:creationId xmlns:p14="http://schemas.microsoft.com/office/powerpoint/2010/main" val="3489824263"/>
       </p:ext>
     </p:extLst>
   </p:cSld>
   <p:clrMapOvr>
     <a:masterClrMapping/>
   </p:clrMapOvr>
-  <mc:AlternateContent xmlns:mc="http://schemas.openxmlformats.org/markup-compatibility/2006" xmlns:p14="http://schemas.microsoft.com/office/powerpoint/2010/main">
-    <mc:Choice Requires="p14">
-      <p:transition spd="slow" p14:dur="2000" advClick="0" advTm="27000"/>
-    </mc:Choice>
-    <mc:Fallback xmlns="">
-      <p:transition spd="slow" advClick="0" advTm="27000"/>
-    </mc:Fallback>
-  </mc:AlternateContent>
 </p:sld>
 </file>
 
@@ -7380,8 +7640,24 @@
           <a:p>
             <a:pPr lvl="1"/>
             <a:r>
+              <a:rPr lang="en-US" dirty="0" err="1"/>
+              <a:t>FireBaseDB</a:t>
+            </a:r>
+            <a:endParaRPr lang="en-US" dirty="0"/>
+          </a:p>
+          <a:p>
+            <a:pPr lvl="1"/>
+            <a:r>
+              <a:rPr lang="en-US" dirty="0" err="1"/>
+              <a:t>FireBaseFunction</a:t>
+            </a:r>
+            <a:endParaRPr lang="en-US" dirty="0"/>
+          </a:p>
+          <a:p>
+            <a:pPr lvl="1"/>
+            <a:r>
               <a:rPr lang="en-US" dirty="0"/>
-              <a:t>Docker Container for code</a:t>
+              <a:t>Docker(briefly)</a:t>
             </a:r>
           </a:p>
           <a:p>
@@ -7398,7 +7674,25 @@
             <a:pPr lvl="1"/>
             <a:r>
               <a:rPr lang="en-US" dirty="0"/>
-              <a:t>Chatbot Interactions</a:t>
+              <a:t>Chatbot Interactions with </a:t>
+            </a:r>
+            <a:r>
+              <a:rPr lang="en-US" dirty="0" err="1"/>
+              <a:t>foodbot</a:t>
+            </a:r>
+            <a:endParaRPr lang="en-US" dirty="0"/>
+          </a:p>
+          <a:p>
+            <a:r>
+              <a:rPr lang="en-US" dirty="0"/>
+              <a:t>GitHub Repo</a:t>
+            </a:r>
+          </a:p>
+          <a:p>
+            <a:pPr lvl="1"/>
+            <a:r>
+              <a:rPr lang="en-US" dirty="0"/>
+              <a:t>GitHub Desktop</a:t>
             </a:r>
           </a:p>
         </p:txBody>
@@ -7417,237 +7711,6 @@
 </file>
 
 <file path=ppt/slides/slide6.xml><?xml version="1.0" encoding="utf-8"?>
-<p:sld xmlns:a="http://schemas.openxmlformats.org/drawingml/2006/main" xmlns:r="http://schemas.openxmlformats.org/officeDocument/2006/relationships" xmlns:p="http://schemas.openxmlformats.org/presentationml/2006/main">
-  <p:cSld>
-    <p:spTree>
-      <p:nvGrpSpPr>
-        <p:cNvPr id="1" name=""/>
-        <p:cNvGrpSpPr/>
-        <p:nvPr/>
-      </p:nvGrpSpPr>
-      <p:grpSpPr>
-        <a:xfrm>
-          <a:off x="0" y="0"/>
-          <a:ext cx="0" cy="0"/>
-          <a:chOff x="0" y="0"/>
-          <a:chExt cx="0" cy="0"/>
-        </a:xfrm>
-      </p:grpSpPr>
-      <p:sp>
-        <p:nvSpPr>
-          <p:cNvPr id="2" name="Title 1">
-            <a:extLst>
-              <a:ext uri="{FF2B5EF4-FFF2-40B4-BE49-F238E27FC236}">
-                <a16:creationId xmlns:a16="http://schemas.microsoft.com/office/drawing/2014/main" id="{D93D931E-45C9-4893-B6FD-9CBFE23B6051}"/>
-              </a:ext>
-            </a:extLst>
-          </p:cNvPr>
-          <p:cNvSpPr>
-            <a:spLocks noGrp="1"/>
-          </p:cNvSpPr>
-          <p:nvPr>
-            <p:ph type="title"/>
-          </p:nvPr>
-        </p:nvSpPr>
-        <p:spPr/>
-        <p:txBody>
-          <a:bodyPr/>
-          <a:lstStyle/>
-          <a:p>
-            <a:r>
-              <a:rPr lang="en-US" dirty="0" err="1"/>
-              <a:t>REsources</a:t>
-            </a:r>
-            <a:endParaRPr lang="en-US" dirty="0"/>
-          </a:p>
-        </p:txBody>
-      </p:sp>
-      <p:sp>
-        <p:nvSpPr>
-          <p:cNvPr id="3" name="Content Placeholder 2">
-            <a:extLst>
-              <a:ext uri="{FF2B5EF4-FFF2-40B4-BE49-F238E27FC236}">
-                <a16:creationId xmlns:a16="http://schemas.microsoft.com/office/drawing/2014/main" id="{0475A2A6-0762-4186-A4DA-37F4AD7AF77E}"/>
-              </a:ext>
-            </a:extLst>
-          </p:cNvPr>
-          <p:cNvSpPr>
-            <a:spLocks noGrp="1"/>
-          </p:cNvSpPr>
-          <p:nvPr>
-            <p:ph idx="1"/>
-          </p:nvPr>
-        </p:nvSpPr>
-        <p:spPr/>
-        <p:txBody>
-          <a:bodyPr>
-            <a:normAutofit fontScale="92500" lnSpcReduction="20000"/>
-          </a:bodyPr>
-          <a:lstStyle/>
-          <a:p>
-            <a:pPr marL="0" indent="0">
-              <a:buNone/>
-            </a:pPr>
-            <a:r>
-              <a:rPr lang="en-US" dirty="0">
-                <a:hlinkClick r:id="rId3"/>
-              </a:rPr>
-              <a:t>https://www.nrdc.org/issues/food-waste</a:t>
-            </a:r>
-            <a:br>
-              <a:rPr lang="en-US" dirty="0"/>
-            </a:br>
-            <a:endParaRPr lang="en-US" dirty="0"/>
-          </a:p>
-          <a:p>
-            <a:pPr lvl="1"/>
-            <a:r>
-              <a:rPr lang="en-US" dirty="0"/>
-              <a:t>“40% of the food in the United States is never eaten, but 1 in 8 Americans struggle to put enough food on the table.”</a:t>
-            </a:r>
-            <a:br>
-              <a:rPr lang="en-US" dirty="0"/>
-            </a:br>
-            <a:endParaRPr lang="en-US" dirty="0"/>
-          </a:p>
-          <a:p>
-            <a:pPr lvl="1"/>
-            <a:r>
-              <a:rPr lang="en-US" dirty="0"/>
-              <a:t>“&gt; 30% of all food in some cities goes to the landfill”</a:t>
-            </a:r>
-          </a:p>
-          <a:p>
-            <a:pPr lvl="1"/>
-            <a:endParaRPr lang="en-US" dirty="0"/>
-          </a:p>
-          <a:p>
-            <a:pPr lvl="1"/>
-            <a:r>
-              <a:rPr lang="en-US" dirty="0"/>
-              <a:t>“Food waste drives more emissions than the airline industry”</a:t>
-            </a:r>
-          </a:p>
-          <a:p>
-            <a:pPr marL="0" indent="0">
-              <a:buNone/>
-            </a:pPr>
-            <a:r>
-              <a:rPr lang="en-US" dirty="0">
-                <a:hlinkClick r:id="rId4"/>
-              </a:rPr>
-              <a:t>https://en.wikipedia.org/wiki/Food_waste</a:t>
-            </a:r>
-            <a:endParaRPr lang="en-US" dirty="0"/>
-          </a:p>
-          <a:p>
-            <a:pPr lvl="1"/>
-            <a:r>
-              <a:rPr lang="en-US" b="1" dirty="0"/>
-              <a:t>“Food waste</a:t>
-            </a:r>
-            <a:r>
-              <a:rPr lang="en-US" dirty="0"/>
-              <a:t> or </a:t>
-            </a:r>
-            <a:r>
-              <a:rPr lang="en-US" b="1" dirty="0"/>
-              <a:t>food loss</a:t>
-            </a:r>
-            <a:r>
-              <a:rPr lang="en-US" dirty="0"/>
-              <a:t> is </a:t>
-            </a:r>
-            <a:r>
-              <a:rPr lang="en-US" dirty="0">
-                <a:hlinkClick r:id="rId5" tooltip="Food"/>
-              </a:rPr>
-              <a:t>food</a:t>
-            </a:r>
-            <a:r>
-              <a:rPr lang="en-US" dirty="0"/>
-              <a:t> that is wasted, lost or uneaten. The causes of food waste or loss are numerous and occur at the stages of </a:t>
-            </a:r>
-            <a:r>
-              <a:rPr lang="en-US" dirty="0">
-                <a:hlinkClick r:id="rId6" tooltip="Food production"/>
-              </a:rPr>
-              <a:t>producing</a:t>
-            </a:r>
-            <a:r>
-              <a:rPr lang="en-US" dirty="0"/>
-              <a:t>, </a:t>
-            </a:r>
-            <a:r>
-              <a:rPr lang="en-US" dirty="0">
-                <a:hlinkClick r:id="rId7" tooltip="Food processing"/>
-              </a:rPr>
-              <a:t>processing</a:t>
-            </a:r>
-            <a:r>
-              <a:rPr lang="en-US" dirty="0"/>
-              <a:t>, retailing and consuming.” </a:t>
-            </a:r>
-          </a:p>
-          <a:p>
-            <a:pPr marL="0" indent="0">
-              <a:buNone/>
-            </a:pPr>
-            <a:r>
-              <a:rPr lang="en-US" dirty="0">
-                <a:hlinkClick r:id="rId8"/>
-              </a:rPr>
-              <a:t>https://www.theguardian.com/world/2016/feb/04/french-law-forbids-food-waste-by-supermarkets</a:t>
-            </a:r>
-            <a:endParaRPr lang="en-US" dirty="0"/>
-          </a:p>
-          <a:p>
-            <a:pPr lvl="1"/>
-            <a:r>
-              <a:rPr lang="en-US" b="1" dirty="0"/>
-              <a:t>“Food banks and other charities welcome law-making large shops donate unsold food and stop spoiling items to deter foragers”</a:t>
-            </a:r>
-          </a:p>
-          <a:p>
-            <a:pPr marL="0" indent="0">
-              <a:buNone/>
-            </a:pPr>
-            <a:endParaRPr lang="en-US" dirty="0"/>
-          </a:p>
-          <a:p>
-            <a:pPr marL="0" indent="0">
-              <a:buNone/>
-            </a:pPr>
-            <a:endParaRPr lang="en-US" dirty="0"/>
-          </a:p>
-          <a:p>
-            <a:pPr marL="0" indent="0">
-              <a:buNone/>
-            </a:pPr>
-            <a:endParaRPr lang="en-US" dirty="0"/>
-          </a:p>
-          <a:p>
-            <a:pPr marL="0" indent="0">
-              <a:buNone/>
-            </a:pPr>
-            <a:endParaRPr lang="en-US" dirty="0"/>
-          </a:p>
-        </p:txBody>
-      </p:sp>
-    </p:spTree>
-    <p:extLst>
-      <p:ext uri="{BB962C8B-B14F-4D97-AF65-F5344CB8AC3E}">
-        <p14:creationId xmlns:p14="http://schemas.microsoft.com/office/powerpoint/2010/main" val="2803770446"/>
-      </p:ext>
-    </p:extLst>
-  </p:cSld>
-  <p:clrMapOvr>
-    <a:masterClrMapping/>
-  </p:clrMapOvr>
-</p:sld>
-</file>
-
-<file path=ppt/slides/slide7.xml><?xml version="1.0" encoding="utf-8"?>
 <p:sld xmlns:a="http://schemas.openxmlformats.org/drawingml/2006/main" xmlns:r="http://schemas.openxmlformats.org/officeDocument/2006/relationships" xmlns:p="http://schemas.openxmlformats.org/presentationml/2006/main">
   <p:cSld>
     <p:bg>
@@ -7672,21 +7735,21 @@
           <a:chExt cx="0" cy="0"/>
         </a:xfrm>
       </p:grpSpPr>
-      <p:sp useBgFill="1">
-        <p:nvSpPr>
-          <p:cNvPr id="9" name="Rounded Rectangle 14">
+      <p:pic>
+        <p:nvPicPr>
+          <p:cNvPr id="13" name="Picture 12">
             <a:extLst>
               <a:ext uri="{FF2B5EF4-FFF2-40B4-BE49-F238E27FC236}">
-                <a16:creationId xmlns:a16="http://schemas.microsoft.com/office/drawing/2014/main" id="{1FDFF85F-F105-40D5-9793-90419158C3BD}"/>
+                <a16:creationId xmlns:a16="http://schemas.microsoft.com/office/drawing/2014/main" id="{C413590B-CB36-47BC-B705-69813F7B5F6F}"/>
               </a:ext>
               <a:ext uri="{C183D7F6-B498-43B3-948B-1728B52AA6E4}">
                 <adec:decorative xmlns:adec="http://schemas.microsoft.com/office/drawing/2017/decorative" val="1"/>
               </a:ext>
             </a:extLst>
           </p:cNvPr>
-          <p:cNvSpPr>
-            <a:spLocks noGrp="1" noRot="1" noChangeAspect="1" noMove="1" noResize="1" noEditPoints="1" noAdjustHandles="1" noChangeArrowheads="1" noChangeShapeType="1" noTextEdit="1"/>
-          </p:cNvSpPr>
+          <p:cNvPicPr>
+            <a:picLocks noGrp="1" noRot="1" noChangeAspect="1" noMove="1" noResize="1" noEditPoints="1" noAdjustHandles="1" noChangeArrowheads="1" noChangeShapeType="1" noCrop="1"/>
+          </p:cNvPicPr>
           <p:nvPr>
             <p:extLst>
               <p:ext uri="{386F3935-93C4-4BCD-93E2-E3B085C9AB24}">
@@ -7694,21 +7757,152 @@
               </p:ext>
             </p:extLst>
           </p:nvPr>
-        </p:nvSpPr>
-        <p:spPr>
-          <a:xfrm>
-            <a:off x="4636008" y="0"/>
-            <a:ext cx="7555992" cy="6858000"/>
-          </a:xfrm>
-          <a:prstGeom prst="roundRect">
-            <a:avLst>
-              <a:gd name="adj" fmla="val 0"/>
-            </a:avLst>
+        </p:nvPicPr>
+        <p:blipFill>
+          <a:blip r:embed="rId3">
+            <a:extLst>
+              <a:ext uri="{28A0092B-C50C-407E-A947-70E740481C1C}">
+                <a14:useLocalDpi xmlns:a14="http://schemas.microsoft.com/office/drawing/2010/main" val="0"/>
+              </a:ext>
+            </a:extLst>
+          </a:blip>
+          <a:stretch>
+            <a:fillRect/>
+          </a:stretch>
+        </p:blipFill>
+        <p:spPr>
+          <a:xfrm>
+            <a:off x="0" y="0"/>
+            <a:ext cx="12192000" cy="1441450"/>
+          </a:xfrm>
+          <a:prstGeom prst="rect">
+            <a:avLst/>
           </a:prstGeom>
+        </p:spPr>
+      </p:pic>
+      <p:pic>
+        <p:nvPicPr>
+          <p:cNvPr id="15" name="Picture 14">
+            <a:extLst>
+              <a:ext uri="{FF2B5EF4-FFF2-40B4-BE49-F238E27FC236}">
+                <a16:creationId xmlns:a16="http://schemas.microsoft.com/office/drawing/2014/main" id="{D676F4B9-1E76-49E4-8A47-FBDCE00D43AC}"/>
+              </a:ext>
+              <a:ext uri="{C183D7F6-B498-43B3-948B-1728B52AA6E4}">
+                <adec:decorative xmlns:adec="http://schemas.microsoft.com/office/drawing/2017/decorative" val="1"/>
+              </a:ext>
+            </a:extLst>
+          </p:cNvPr>
+          <p:cNvPicPr>
+            <a:picLocks noGrp="1" noRot="1" noChangeAspect="1" noMove="1" noResize="1" noEditPoints="1" noAdjustHandles="1" noChangeArrowheads="1" noChangeShapeType="1" noCrop="1"/>
+          </p:cNvPicPr>
+          <p:nvPr>
+            <p:extLst>
+              <p:ext uri="{386F3935-93C4-4BCD-93E2-E3B085C9AB24}">
+                <p16:designElem xmlns:p16="http://schemas.microsoft.com/office/powerpoint/2015/main" val="1"/>
+              </p:ext>
+            </p:extLst>
+          </p:nvPr>
+        </p:nvPicPr>
+        <p:blipFill>
+          <a:blip r:embed="rId4">
+            <a:extLst>
+              <a:ext uri="{28A0092B-C50C-407E-A947-70E740481C1C}">
+                <a14:useLocalDpi xmlns:a14="http://schemas.microsoft.com/office/drawing/2010/main" val="0"/>
+              </a:ext>
+            </a:extLst>
+          </a:blip>
+          <a:stretch>
+            <a:fillRect/>
+          </a:stretch>
+        </p:blipFill>
+        <p:spPr>
+          <a:xfrm>
+            <a:off x="0" y="4375150"/>
+            <a:ext cx="12192000" cy="2482850"/>
+          </a:xfrm>
+          <a:prstGeom prst="rect">
+            <a:avLst/>
+          </a:prstGeom>
+        </p:spPr>
+      </p:pic>
+      <p:sp>
+        <p:nvSpPr>
+          <p:cNvPr id="2" name="Title 1">
+            <a:extLst>
+              <a:ext uri="{FF2B5EF4-FFF2-40B4-BE49-F238E27FC236}">
+                <a16:creationId xmlns:a16="http://schemas.microsoft.com/office/drawing/2014/main" id="{6F229B2F-32FC-4047-83D4-48BFFC1BFD84}"/>
+              </a:ext>
+            </a:extLst>
+          </p:cNvPr>
+          <p:cNvSpPr>
+            <a:spLocks noGrp="1"/>
+          </p:cNvSpPr>
+          <p:nvPr>
+            <p:ph type="title"/>
+          </p:nvPr>
+        </p:nvSpPr>
+        <p:spPr>
+          <a:xfrm>
+            <a:off x="8419340" y="673240"/>
+            <a:ext cx="3148461" cy="3446373"/>
+          </a:xfrm>
+          <a:noFill/>
+          <a:ln w="19050">
+            <a:noFill/>
+            <a:prstDash val="dash"/>
+          </a:ln>
+        </p:spPr>
+        <p:txBody>
+          <a:bodyPr vert="horz" lIns="91440" tIns="45720" rIns="91440" bIns="45720" rtlCol="0" anchor="b">
+            <a:normAutofit/>
+          </a:bodyPr>
+          <a:lstStyle/>
+          <a:p>
+            <a:pPr algn="l"/>
+            <a:r>
+              <a:rPr lang="en-US" sz="4800"/>
+              <a:t>DEMO</a:t>
+            </a:r>
+          </a:p>
+        </p:txBody>
+      </p:sp>
+      <p:sp>
+        <p:nvSpPr>
+          <p:cNvPr id="17" name="Rectangle 16">
+            <a:extLst>
+              <a:ext uri="{FF2B5EF4-FFF2-40B4-BE49-F238E27FC236}">
+                <a16:creationId xmlns:a16="http://schemas.microsoft.com/office/drawing/2014/main" id="{FF8A0554-081B-4FCD-B8AC-1F826E38FF9A}"/>
+              </a:ext>
+              <a:ext uri="{C183D7F6-B498-43B3-948B-1728B52AA6E4}">
+                <adec:decorative xmlns:adec="http://schemas.microsoft.com/office/drawing/2017/decorative" val="1"/>
+              </a:ext>
+            </a:extLst>
+          </p:cNvPr>
+          <p:cNvSpPr>
+            <a:spLocks noGrp="1" noRot="1" noChangeAspect="1" noMove="1" noResize="1" noEditPoints="1" noAdjustHandles="1" noChangeArrowheads="1" noChangeShapeType="1" noTextEdit="1"/>
+          </p:cNvSpPr>
+          <p:nvPr>
+            <p:extLst>
+              <p:ext uri="{386F3935-93C4-4BCD-93E2-E3B085C9AB24}">
+                <p16:designElem xmlns:p16="http://schemas.microsoft.com/office/powerpoint/2015/main" val="1"/>
+              </p:ext>
+            </p:extLst>
+          </p:nvPr>
+        </p:nvSpPr>
+        <p:spPr>
+          <a:xfrm>
+            <a:off x="7946782" y="-1"/>
+            <a:ext cx="4245218" cy="536715"/>
+          </a:xfrm>
+          <a:prstGeom prst="rect">
+            <a:avLst/>
+          </a:prstGeom>
+          <a:solidFill>
+            <a:schemeClr val="bg1"/>
+          </a:solidFill>
           <a:ln>
             <a:noFill/>
           </a:ln>
-          <a:effectLst/>
         </p:spPr>
         <p:style>
           <a:lnRef idx="2">
@@ -7730,46 +7924,17 @@
           <a:bodyPr rtlCol="0" anchor="ctr"/>
           <a:lstStyle/>
           <a:p>
-            <a:pPr marL="0" marR="0" lvl="0" indent="0" algn="ctr" defTabSz="457200" rtl="0" eaLnBrk="1" fontAlgn="auto" latinLnBrk="0" hangingPunct="1">
-              <a:lnSpc>
-                <a:spcPct val="100000"/>
-              </a:lnSpc>
-              <a:spcBef>
-                <a:spcPts val="0"/>
-              </a:spcBef>
-              <a:spcAft>
-                <a:spcPts val="0"/>
-              </a:spcAft>
-              <a:buClrTx/>
-              <a:buSzTx/>
-              <a:buFontTx/>
-              <a:buNone/>
-              <a:tabLst/>
-              <a:defRPr/>
-            </a:pPr>
-            <a:endParaRPr kumimoji="0" lang="en-US" sz="1800" b="0" i="0" u="none" strike="noStrike" kern="1200" cap="none" spc="0" normalizeH="0" baseline="0" noProof="0">
-              <a:ln>
-                <a:noFill/>
-              </a:ln>
-              <a:solidFill>
-                <a:prstClr val="white"/>
-              </a:solidFill>
-              <a:effectLst/>
-              <a:uLnTx/>
-              <a:uFillTx/>
-              <a:latin typeface="Century Gothic" panose="020B0502020202020204"/>
-              <a:ea typeface="+mn-ea"/>
-              <a:cs typeface="+mn-cs"/>
-            </a:endParaRPr>
-          </a:p>
-        </p:txBody>
-      </p:sp>
-      <p:sp>
-        <p:nvSpPr>
-          <p:cNvPr id="11" name="Rectangle 10">
+            <a:pPr algn="ctr"/>
+            <a:endParaRPr lang="en-US"/>
+          </a:p>
+        </p:txBody>
+      </p:sp>
+      <p:sp>
+        <p:nvSpPr>
+          <p:cNvPr id="19" name="Rectangle 18">
             <a:extLst>
               <a:ext uri="{FF2B5EF4-FFF2-40B4-BE49-F238E27FC236}">
-                <a16:creationId xmlns:a16="http://schemas.microsoft.com/office/drawing/2014/main" id="{35AB47A4-BA8C-4250-88BD-D49C68C5F9E9}"/>
+                <a16:creationId xmlns:a16="http://schemas.microsoft.com/office/drawing/2014/main" id="{406FFEE2-58A0-44A3-9892-24602A68808B}"/>
               </a:ext>
               <a:ext uri="{C183D7F6-B498-43B3-948B-1728B52AA6E4}">
                 <adec:decorative xmlns:adec="http://schemas.microsoft.com/office/drawing/2017/decorative" val="1"/>
@@ -7790,24 +7955,17 @@
         <p:spPr>
           <a:xfrm>
             <a:off x="0" y="0"/>
-            <a:ext cx="4636008" cy="6858000"/>
+            <a:ext cx="7961243" cy="6858000"/>
           </a:xfrm>
           <a:prstGeom prst="rect">
             <a:avLst/>
           </a:prstGeom>
           <a:solidFill>
-            <a:schemeClr val="tx1"/>
+            <a:schemeClr val="bg1"/>
           </a:solidFill>
           <a:ln>
             <a:noFill/>
           </a:ln>
-          <a:effectLst>
-            <a:outerShdw blurRad="63500" dist="38100" algn="l" rotWithShape="0">
-              <a:prstClr val="black">
-                <a:alpha val="40000"/>
-              </a:prstClr>
-            </a:outerShdw>
-          </a:effectLst>
         </p:spPr>
         <p:style>
           <a:lnRef idx="2">
@@ -7829,55 +7987,26 @@
           <a:bodyPr rtlCol="0" anchor="ctr"/>
           <a:lstStyle/>
           <a:p>
-            <a:pPr marL="0" marR="0" lvl="0" indent="0" algn="ctr" defTabSz="457200" rtl="0" eaLnBrk="1" fontAlgn="auto" latinLnBrk="0" hangingPunct="1">
-              <a:lnSpc>
-                <a:spcPct val="100000"/>
-              </a:lnSpc>
-              <a:spcBef>
-                <a:spcPts val="0"/>
-              </a:spcBef>
-              <a:spcAft>
-                <a:spcPts val="0"/>
-              </a:spcAft>
-              <a:buClrTx/>
-              <a:buSzTx/>
-              <a:buFontTx/>
-              <a:buNone/>
-              <a:tabLst/>
-              <a:defRPr/>
-            </a:pPr>
-            <a:endParaRPr kumimoji="0" lang="en-US" sz="1800" b="0" i="0" u="none" strike="noStrike" kern="1200" cap="none" spc="0" normalizeH="0" baseline="0" noProof="0">
-              <a:ln>
-                <a:noFill/>
-              </a:ln>
-              <a:solidFill>
-                <a:prstClr val="white"/>
-              </a:solidFill>
-              <a:effectLst/>
-              <a:uLnTx/>
-              <a:uFillTx/>
-              <a:latin typeface="Century Gothic" panose="020B0502020202020204"/>
-              <a:ea typeface="+mn-ea"/>
-              <a:cs typeface="+mn-cs"/>
-            </a:endParaRPr>
-          </a:p>
-        </p:txBody>
-      </p:sp>
-      <p:pic>
-        <p:nvPicPr>
-          <p:cNvPr id="13" name="Picture 12">
+            <a:pPr algn="ctr"/>
+            <a:endParaRPr lang="en-US"/>
+          </a:p>
+        </p:txBody>
+      </p:sp>
+      <p:sp>
+        <p:nvSpPr>
+          <p:cNvPr id="21" name="Rectangle 20">
             <a:extLst>
               <a:ext uri="{FF2B5EF4-FFF2-40B4-BE49-F238E27FC236}">
-                <a16:creationId xmlns:a16="http://schemas.microsoft.com/office/drawing/2014/main" id="{66C8958D-EB99-414F-B735-863B67BB14D3}"/>
+                <a16:creationId xmlns:a16="http://schemas.microsoft.com/office/drawing/2014/main" id="{69CA411D-D82A-4BF1-878C-4C25F8C77A6C}"/>
               </a:ext>
               <a:ext uri="{C183D7F6-B498-43B3-948B-1728B52AA6E4}">
                 <adec:decorative xmlns:adec="http://schemas.microsoft.com/office/drawing/2017/decorative" val="1"/>
               </a:ext>
             </a:extLst>
           </p:cNvPr>
-          <p:cNvPicPr>
-            <a:picLocks noGrp="1" noRot="1" noChangeAspect="1" noMove="1" noResize="1" noEditPoints="1" noAdjustHandles="1" noChangeArrowheads="1" noChangeShapeType="1" noCrop="1"/>
-          </p:cNvPicPr>
+          <p:cNvSpPr>
+            <a:spLocks noGrp="1" noRot="1" noChangeAspect="1" noMove="1" noResize="1" noEditPoints="1" noAdjustHandles="1" noChangeArrowheads="1" noChangeShapeType="1" noTextEdit="1"/>
+          </p:cNvSpPr>
           <p:nvPr>
             <p:extLst>
               <p:ext uri="{386F3935-93C4-4BCD-93E2-E3B085C9AB24}">
@@ -7885,151 +8014,53 @@
               </p:ext>
             </p:extLst>
           </p:nvPr>
-        </p:nvPicPr>
-        <p:blipFill rotWithShape="1">
-          <a:blip r:embed="rId3">
-            <a:extLst>
-              <a:ext uri="{28A0092B-C50C-407E-A947-70E740481C1C}">
-                <a14:useLocalDpi xmlns:a14="http://schemas.microsoft.com/office/drawing/2010/main" val="0"/>
-              </a:ext>
-            </a:extLst>
-          </a:blip>
-          <a:srcRect r="61975"/>
-          <a:stretch/>
-        </p:blipFill>
-        <p:spPr>
-          <a:xfrm>
-            <a:off x="0" y="0"/>
-            <a:ext cx="4636008" cy="1441450"/>
+        </p:nvSpPr>
+        <p:spPr>
+          <a:xfrm>
+            <a:off x="458097" y="488844"/>
+            <a:ext cx="3731895" cy="3526040"/>
           </a:xfrm>
           <a:prstGeom prst="rect">
             <a:avLst/>
           </a:prstGeom>
-        </p:spPr>
-      </p:pic>
-      <p:sp>
-        <p:nvSpPr>
-          <p:cNvPr id="2" name="Title 1">
+          <a:solidFill>
+            <a:srgbClr val="FFFFFF"/>
+          </a:solidFill>
+          <a:ln>
+            <a:noFill/>
+          </a:ln>
+        </p:spPr>
+        <p:style>
+          <a:lnRef idx="2">
+            <a:schemeClr val="accent1">
+              <a:shade val="50000"/>
+            </a:schemeClr>
+          </a:lnRef>
+          <a:fillRef idx="1">
+            <a:schemeClr val="accent1"/>
+          </a:fillRef>
+          <a:effectRef idx="0">
+            <a:schemeClr val="accent1"/>
+          </a:effectRef>
+          <a:fontRef idx="minor">
+            <a:schemeClr val="lt1"/>
+          </a:fontRef>
+        </p:style>
+        <p:txBody>
+          <a:bodyPr rtlCol="0" anchor="ctr"/>
+          <a:lstStyle/>
+          <a:p>
+            <a:pPr algn="ctr"/>
+            <a:endParaRPr lang="en-US"/>
+          </a:p>
+        </p:txBody>
+      </p:sp>
+      <p:pic>
+        <p:nvPicPr>
+          <p:cNvPr id="5" name="Picture 4">
             <a:extLst>
               <a:ext uri="{FF2B5EF4-FFF2-40B4-BE49-F238E27FC236}">
-                <a16:creationId xmlns:a16="http://schemas.microsoft.com/office/drawing/2014/main" id="{27AC036B-6A0A-4D0B-B527-529C87F3F3C8}"/>
-              </a:ext>
-            </a:extLst>
-          </p:cNvPr>
-          <p:cNvSpPr>
-            <a:spLocks noGrp="1"/>
-          </p:cNvSpPr>
-          <p:nvPr>
-            <p:ph type="title"/>
-          </p:nvPr>
-        </p:nvSpPr>
-        <p:spPr>
-          <a:xfrm>
-            <a:off x="685800" y="764373"/>
-            <a:ext cx="3687417" cy="1920372"/>
-          </a:xfrm>
-        </p:spPr>
-        <p:txBody>
-          <a:bodyPr>
-            <a:normAutofit/>
-          </a:bodyPr>
-          <a:lstStyle/>
-          <a:p>
-            <a:pPr algn="l"/>
-            <a:endParaRPr lang="en-US" sz="3600">
-              <a:solidFill>
-                <a:schemeClr val="bg1"/>
-              </a:solidFill>
-            </a:endParaRPr>
-          </a:p>
-        </p:txBody>
-      </p:sp>
-      <p:pic>
-        <p:nvPicPr>
-          <p:cNvPr id="15" name="Picture 14">
-            <a:extLst>
-              <a:ext uri="{FF2B5EF4-FFF2-40B4-BE49-F238E27FC236}">
-                <a16:creationId xmlns:a16="http://schemas.microsoft.com/office/drawing/2014/main" id="{39E5F3CB-7BDD-4E64-B274-CD900F08C6F3}"/>
-              </a:ext>
-              <a:ext uri="{C183D7F6-B498-43B3-948B-1728B52AA6E4}">
-                <adec:decorative xmlns:adec="http://schemas.microsoft.com/office/drawing/2017/decorative" val="1"/>
-              </a:ext>
-            </a:extLst>
-          </p:cNvPr>
-          <p:cNvPicPr>
-            <a:picLocks noGrp="1" noRot="1" noChangeAspect="1" noMove="1" noResize="1" noEditPoints="1" noAdjustHandles="1" noChangeArrowheads="1" noChangeShapeType="1" noCrop="1"/>
-          </p:cNvPicPr>
-          <p:nvPr>
-            <p:extLst>
-              <p:ext uri="{386F3935-93C4-4BCD-93E2-E3B085C9AB24}">
-                <p16:designElem xmlns:p16="http://schemas.microsoft.com/office/powerpoint/2015/main" val="1"/>
-              </p:ext>
-            </p:extLst>
-          </p:nvPr>
-        </p:nvPicPr>
-        <p:blipFill rotWithShape="1">
-          <a:blip r:embed="rId4">
-            <a:extLst>
-              <a:ext uri="{28A0092B-C50C-407E-A947-70E740481C1C}">
-                <a14:useLocalDpi xmlns:a14="http://schemas.microsoft.com/office/drawing/2010/main" val="0"/>
-              </a:ext>
-            </a:extLst>
-          </a:blip>
-          <a:srcRect r="61975"/>
-          <a:stretch/>
-        </p:blipFill>
-        <p:spPr>
-          <a:xfrm>
-            <a:off x="0" y="4375150"/>
-            <a:ext cx="4636008" cy="2482850"/>
-          </a:xfrm>
-          <a:prstGeom prst="rect">
-            <a:avLst/>
-          </a:prstGeom>
-        </p:spPr>
-      </p:pic>
-      <p:sp>
-        <p:nvSpPr>
-          <p:cNvPr id="3" name="Content Placeholder 2">
-            <a:extLst>
-              <a:ext uri="{FF2B5EF4-FFF2-40B4-BE49-F238E27FC236}">
-                <a16:creationId xmlns:a16="http://schemas.microsoft.com/office/drawing/2014/main" id="{0AF486CD-4C09-4912-9905-889140704C97}"/>
-              </a:ext>
-            </a:extLst>
-          </p:cNvPr>
-          <p:cNvSpPr>
-            <a:spLocks noGrp="1"/>
-          </p:cNvSpPr>
-          <p:nvPr>
-            <p:ph idx="1"/>
-          </p:nvPr>
-        </p:nvSpPr>
-        <p:spPr>
-          <a:xfrm>
-            <a:off x="685800" y="2821774"/>
-            <a:ext cx="3687417" cy="3148329"/>
-          </a:xfrm>
-        </p:spPr>
-        <p:txBody>
-          <a:bodyPr>
-            <a:normAutofit/>
-          </a:bodyPr>
-          <a:lstStyle/>
-          <a:p>
-            <a:endParaRPr lang="en-US" sz="1600">
-              <a:solidFill>
-                <a:schemeClr val="bg1"/>
-              </a:solidFill>
-            </a:endParaRPr>
-          </a:p>
-        </p:txBody>
-      </p:sp>
-      <p:pic>
-        <p:nvPicPr>
-          <p:cNvPr id="4" name="Picture 3">
-            <a:extLst>
-              <a:ext uri="{FF2B5EF4-FFF2-40B4-BE49-F238E27FC236}">
-                <a16:creationId xmlns:a16="http://schemas.microsoft.com/office/drawing/2014/main" id="{EB7A9790-2416-4877-BB0F-9AB60420F8E0}"/>
+                <a16:creationId xmlns:a16="http://schemas.microsoft.com/office/drawing/2014/main" id="{E8109C35-D79C-448B-813F-88CB84729B1B}"/>
               </a:ext>
             </a:extLst>
           </p:cNvPr>
@@ -8046,8 +8077,235 @@
         </p:blipFill>
         <p:spPr>
           <a:xfrm>
-            <a:off x="5279475" y="1571792"/>
-            <a:ext cx="6269058" cy="3714416"/>
+            <a:off x="1058943" y="648369"/>
+            <a:ext cx="2524447" cy="3205648"/>
+          </a:xfrm>
+          <a:prstGeom prst="rect">
+            <a:avLst/>
+          </a:prstGeom>
+        </p:spPr>
+      </p:pic>
+      <p:sp>
+        <p:nvSpPr>
+          <p:cNvPr id="23" name="Round Single Corner Rectangle 15">
+            <a:extLst>
+              <a:ext uri="{FF2B5EF4-FFF2-40B4-BE49-F238E27FC236}">
+                <a16:creationId xmlns:a16="http://schemas.microsoft.com/office/drawing/2014/main" id="{C9BB7D94-2C4A-4F0F-8933-E3276A89936E}"/>
+              </a:ext>
+              <a:ext uri="{C183D7F6-B498-43B3-948B-1728B52AA6E4}">
+                <adec:decorative xmlns:adec="http://schemas.microsoft.com/office/drawing/2017/decorative" val="1"/>
+              </a:ext>
+            </a:extLst>
+          </p:cNvPr>
+          <p:cNvSpPr>
+            <a:spLocks noGrp="1" noRot="1" noChangeAspect="1" noMove="1" noResize="1" noEditPoints="1" noAdjustHandles="1" noChangeArrowheads="1" noChangeShapeType="1" noTextEdit="1"/>
+          </p:cNvSpPr>
+          <p:nvPr>
+            <p:extLst>
+              <p:ext uri="{386F3935-93C4-4BCD-93E2-E3B085C9AB24}">
+                <p16:designElem xmlns:p16="http://schemas.microsoft.com/office/powerpoint/2015/main" val="1"/>
+              </p:ext>
+            </p:extLst>
+          </p:nvPr>
+        </p:nvSpPr>
+        <p:spPr>
+          <a:xfrm>
+            <a:off x="4338650" y="604977"/>
+            <a:ext cx="1998359" cy="2223847"/>
+          </a:xfrm>
+          <a:prstGeom prst="round1Rect">
+            <a:avLst>
+              <a:gd name="adj" fmla="val 11295"/>
+            </a:avLst>
+          </a:prstGeom>
+          <a:solidFill>
+            <a:schemeClr val="accent6">
+              <a:alpha val="80000"/>
+            </a:schemeClr>
+          </a:solidFill>
+          <a:ln>
+            <a:noFill/>
+          </a:ln>
+        </p:spPr>
+        <p:style>
+          <a:lnRef idx="2">
+            <a:schemeClr val="accent1">
+              <a:shade val="50000"/>
+            </a:schemeClr>
+          </a:lnRef>
+          <a:fillRef idx="1">
+            <a:schemeClr val="accent1"/>
+          </a:fillRef>
+          <a:effectRef idx="0">
+            <a:schemeClr val="accent1"/>
+          </a:effectRef>
+          <a:fontRef idx="minor">
+            <a:schemeClr val="lt1"/>
+          </a:fontRef>
+        </p:style>
+        <p:txBody>
+          <a:bodyPr rtlCol="0" anchor="ctr"/>
+          <a:lstStyle/>
+          <a:p>
+            <a:pPr algn="ctr"/>
+            <a:endParaRPr lang="en-US"/>
+          </a:p>
+        </p:txBody>
+      </p:sp>
+      <p:sp>
+        <p:nvSpPr>
+          <p:cNvPr id="25" name="Round Single Corner Rectangle 14">
+            <a:extLst>
+              <a:ext uri="{FF2B5EF4-FFF2-40B4-BE49-F238E27FC236}">
+                <a16:creationId xmlns:a16="http://schemas.microsoft.com/office/drawing/2014/main" id="{2C166329-A912-4CA1-A632-89563D6609AA}"/>
+              </a:ext>
+              <a:ext uri="{C183D7F6-B498-43B3-948B-1728B52AA6E4}">
+                <adec:decorative xmlns:adec="http://schemas.microsoft.com/office/drawing/2017/decorative" val="1"/>
+              </a:ext>
+            </a:extLst>
+          </p:cNvPr>
+          <p:cNvSpPr>
+            <a:spLocks noGrp="1" noRot="1" noChangeAspect="1" noMove="1" noResize="1" noEditPoints="1" noAdjustHandles="1" noChangeArrowheads="1" noChangeShapeType="1" noTextEdit="1"/>
+          </p:cNvSpPr>
+          <p:nvPr>
+            <p:extLst>
+              <p:ext uri="{386F3935-93C4-4BCD-93E2-E3B085C9AB24}">
+                <p16:designElem xmlns:p16="http://schemas.microsoft.com/office/powerpoint/2015/main" val="1"/>
+              </p:ext>
+            </p:extLst>
+          </p:nvPr>
+        </p:nvSpPr>
+        <p:spPr>
+          <a:xfrm flipH="1" flipV="1">
+            <a:off x="1769673" y="4118455"/>
+            <a:ext cx="2417253" cy="1840846"/>
+          </a:xfrm>
+          <a:prstGeom prst="round1Rect">
+            <a:avLst>
+              <a:gd name="adj" fmla="val 11295"/>
+            </a:avLst>
+          </a:prstGeom>
+          <a:solidFill>
+            <a:schemeClr val="accent5">
+              <a:alpha val="70000"/>
+            </a:schemeClr>
+          </a:solidFill>
+          <a:ln>
+            <a:noFill/>
+          </a:ln>
+        </p:spPr>
+        <p:style>
+          <a:lnRef idx="2">
+            <a:schemeClr val="accent1">
+              <a:shade val="50000"/>
+            </a:schemeClr>
+          </a:lnRef>
+          <a:fillRef idx="1">
+            <a:schemeClr val="accent1"/>
+          </a:fillRef>
+          <a:effectRef idx="0">
+            <a:schemeClr val="accent1"/>
+          </a:effectRef>
+          <a:fontRef idx="minor">
+            <a:schemeClr val="lt1"/>
+          </a:fontRef>
+        </p:style>
+        <p:txBody>
+          <a:bodyPr rtlCol="0" anchor="ctr"/>
+          <a:lstStyle/>
+          <a:p>
+            <a:pPr algn="ctr"/>
+            <a:endParaRPr lang="en-US"/>
+          </a:p>
+        </p:txBody>
+      </p:sp>
+      <p:sp>
+        <p:nvSpPr>
+          <p:cNvPr id="27" name="Rectangle 26">
+            <a:extLst>
+              <a:ext uri="{FF2B5EF4-FFF2-40B4-BE49-F238E27FC236}">
+                <a16:creationId xmlns:a16="http://schemas.microsoft.com/office/drawing/2014/main" id="{CFB54679-12EF-4E3F-B1F8-3750B8BD1934}"/>
+              </a:ext>
+              <a:ext uri="{C183D7F6-B498-43B3-948B-1728B52AA6E4}">
+                <adec:decorative xmlns:adec="http://schemas.microsoft.com/office/drawing/2017/decorative" val="1"/>
+              </a:ext>
+            </a:extLst>
+          </p:cNvPr>
+          <p:cNvSpPr>
+            <a:spLocks noGrp="1" noRot="1" noChangeAspect="1" noMove="1" noResize="1" noEditPoints="1" noAdjustHandles="1" noChangeArrowheads="1" noChangeShapeType="1" noTextEdit="1"/>
+          </p:cNvSpPr>
+          <p:nvPr>
+            <p:extLst>
+              <p:ext uri="{386F3935-93C4-4BCD-93E2-E3B085C9AB24}">
+                <p16:designElem xmlns:p16="http://schemas.microsoft.com/office/powerpoint/2015/main" val="1"/>
+              </p:ext>
+            </p:extLst>
+          </p:nvPr>
+        </p:nvSpPr>
+        <p:spPr>
+          <a:xfrm>
+            <a:off x="4347795" y="2989690"/>
+            <a:ext cx="3023953" cy="3388926"/>
+          </a:xfrm>
+          <a:prstGeom prst="rect">
+            <a:avLst/>
+          </a:prstGeom>
+          <a:solidFill>
+            <a:srgbClr val="FFFFFF"/>
+          </a:solidFill>
+          <a:ln>
+            <a:noFill/>
+          </a:ln>
+        </p:spPr>
+        <p:style>
+          <a:lnRef idx="2">
+            <a:schemeClr val="accent1">
+              <a:shade val="50000"/>
+            </a:schemeClr>
+          </a:lnRef>
+          <a:fillRef idx="1">
+            <a:schemeClr val="accent1"/>
+          </a:fillRef>
+          <a:effectRef idx="0">
+            <a:schemeClr val="accent1"/>
+          </a:effectRef>
+          <a:fontRef idx="minor">
+            <a:schemeClr val="lt1"/>
+          </a:fontRef>
+        </p:style>
+        <p:txBody>
+          <a:bodyPr rtlCol="0" anchor="ctr"/>
+          <a:lstStyle/>
+          <a:p>
+            <a:pPr algn="ctr"/>
+            <a:endParaRPr lang="en-US"/>
+          </a:p>
+        </p:txBody>
+      </p:sp>
+      <p:pic>
+        <p:nvPicPr>
+          <p:cNvPr id="8" name="Picture 7">
+            <a:extLst>
+              <a:ext uri="{FF2B5EF4-FFF2-40B4-BE49-F238E27FC236}">
+                <a16:creationId xmlns:a16="http://schemas.microsoft.com/office/drawing/2014/main" id="{1AADDD8D-2C57-49AD-AE32-64983F473B75}"/>
+              </a:ext>
+            </a:extLst>
+          </p:cNvPr>
+          <p:cNvPicPr>
+            <a:picLocks noChangeAspect="1"/>
+          </p:cNvPicPr>
+          <p:nvPr/>
+        </p:nvPicPr>
+        <p:blipFill>
+          <a:blip r:embed="rId6"/>
+          <a:stretch>
+            <a:fillRect/>
+          </a:stretch>
+        </p:blipFill>
+        <p:spPr>
+          <a:xfrm>
+            <a:off x="4692892" y="3150558"/>
+            <a:ext cx="2331065" cy="3067192"/>
           </a:xfrm>
           <a:prstGeom prst="rect">
             <a:avLst/>
@@ -8057,12 +8315,220 @@
     </p:spTree>
     <p:extLst>
       <p:ext uri="{BB962C8B-B14F-4D97-AF65-F5344CB8AC3E}">
-        <p14:creationId xmlns:p14="http://schemas.microsoft.com/office/powerpoint/2010/main" val="3343111770"/>
+        <p14:creationId xmlns:p14="http://schemas.microsoft.com/office/powerpoint/2010/main" val="741898099"/>
       </p:ext>
     </p:extLst>
   </p:cSld>
   <p:clrMapOvr>
-    <a:overrideClrMapping bg1="lt1" tx1="dk1" bg2="lt2" tx2="dk2" accent1="accent1" accent2="accent2" accent3="accent3" accent4="accent4" accent5="accent5" accent6="accent6" hlink="hlink" folHlink="folHlink"/>
+    <a:masterClrMapping/>
+  </p:clrMapOvr>
+</p:sld>
+</file>
+
+<file path=ppt/slides/slide7.xml><?xml version="1.0" encoding="utf-8"?>
+<p:sld xmlns:a="http://schemas.openxmlformats.org/drawingml/2006/main" xmlns:r="http://schemas.openxmlformats.org/officeDocument/2006/relationships" xmlns:p="http://schemas.openxmlformats.org/presentationml/2006/main">
+  <p:cSld>
+    <p:spTree>
+      <p:nvGrpSpPr>
+        <p:cNvPr id="1" name=""/>
+        <p:cNvGrpSpPr/>
+        <p:nvPr/>
+      </p:nvGrpSpPr>
+      <p:grpSpPr>
+        <a:xfrm>
+          <a:off x="0" y="0"/>
+          <a:ext cx="0" cy="0"/>
+          <a:chOff x="0" y="0"/>
+          <a:chExt cx="0" cy="0"/>
+        </a:xfrm>
+      </p:grpSpPr>
+      <p:sp>
+        <p:nvSpPr>
+          <p:cNvPr id="2" name="Title 1">
+            <a:extLst>
+              <a:ext uri="{FF2B5EF4-FFF2-40B4-BE49-F238E27FC236}">
+                <a16:creationId xmlns:a16="http://schemas.microsoft.com/office/drawing/2014/main" id="{31892547-E1DD-4336-87E4-168B7FB1A270}"/>
+              </a:ext>
+            </a:extLst>
+          </p:cNvPr>
+          <p:cNvSpPr>
+            <a:spLocks noGrp="1"/>
+          </p:cNvSpPr>
+          <p:nvPr>
+            <p:ph type="title"/>
+          </p:nvPr>
+        </p:nvSpPr>
+        <p:spPr/>
+        <p:txBody>
+          <a:bodyPr/>
+          <a:lstStyle/>
+          <a:p>
+            <a:r>
+              <a:rPr lang="en-US" dirty="0"/>
+              <a:t>Thank you Sponsors</a:t>
+            </a:r>
+          </a:p>
+        </p:txBody>
+      </p:sp>
+      <p:pic>
+        <p:nvPicPr>
+          <p:cNvPr id="5" name="Picture 4">
+            <a:extLst>
+              <a:ext uri="{FF2B5EF4-FFF2-40B4-BE49-F238E27FC236}">
+                <a16:creationId xmlns:a16="http://schemas.microsoft.com/office/drawing/2014/main" id="{5628D8A1-50CB-4CED-BF37-BBDB1BB2D4E6}"/>
+              </a:ext>
+            </a:extLst>
+          </p:cNvPr>
+          <p:cNvPicPr>
+            <a:picLocks noChangeAspect="1"/>
+          </p:cNvPicPr>
+          <p:nvPr/>
+        </p:nvPicPr>
+        <p:blipFill>
+          <a:blip r:embed="rId2"/>
+          <a:stretch>
+            <a:fillRect/>
+          </a:stretch>
+        </p:blipFill>
+        <p:spPr>
+          <a:xfrm>
+            <a:off x="7200900" y="2458429"/>
+            <a:ext cx="2320237" cy="769276"/>
+          </a:xfrm>
+          <a:prstGeom prst="rect">
+            <a:avLst/>
+          </a:prstGeom>
+        </p:spPr>
+      </p:pic>
+      <p:pic>
+        <p:nvPicPr>
+          <p:cNvPr id="6" name="Picture 5">
+            <a:extLst>
+              <a:ext uri="{FF2B5EF4-FFF2-40B4-BE49-F238E27FC236}">
+                <a16:creationId xmlns:a16="http://schemas.microsoft.com/office/drawing/2014/main" id="{8A9B70EA-FEB3-4D4D-9660-D52F5A6A975F}"/>
+              </a:ext>
+            </a:extLst>
+          </p:cNvPr>
+          <p:cNvPicPr>
+            <a:picLocks noChangeAspect="1"/>
+          </p:cNvPicPr>
+          <p:nvPr/>
+        </p:nvPicPr>
+        <p:blipFill>
+          <a:blip r:embed="rId3"/>
+          <a:stretch>
+            <a:fillRect/>
+          </a:stretch>
+        </p:blipFill>
+        <p:spPr>
+          <a:xfrm>
+            <a:off x="2739956" y="2293011"/>
+            <a:ext cx="2251145" cy="769276"/>
+          </a:xfrm>
+          <a:prstGeom prst="rect">
+            <a:avLst/>
+          </a:prstGeom>
+        </p:spPr>
+      </p:pic>
+      <p:pic>
+        <p:nvPicPr>
+          <p:cNvPr id="7" name="Picture 6">
+            <a:extLst>
+              <a:ext uri="{FF2B5EF4-FFF2-40B4-BE49-F238E27FC236}">
+                <a16:creationId xmlns:a16="http://schemas.microsoft.com/office/drawing/2014/main" id="{68C05883-3E4C-4ED9-B2F3-34F6B9E5F04F}"/>
+              </a:ext>
+            </a:extLst>
+          </p:cNvPr>
+          <p:cNvPicPr>
+            <a:picLocks noChangeAspect="1"/>
+          </p:cNvPicPr>
+          <p:nvPr/>
+        </p:nvPicPr>
+        <p:blipFill>
+          <a:blip r:embed="rId4"/>
+          <a:stretch>
+            <a:fillRect/>
+          </a:stretch>
+        </p:blipFill>
+        <p:spPr>
+          <a:xfrm>
+            <a:off x="2302476" y="4067175"/>
+            <a:ext cx="2190750" cy="1466850"/>
+          </a:xfrm>
+          <a:prstGeom prst="rect">
+            <a:avLst/>
+          </a:prstGeom>
+        </p:spPr>
+      </p:pic>
+      <p:pic>
+        <p:nvPicPr>
+          <p:cNvPr id="8" name="Picture 7">
+            <a:extLst>
+              <a:ext uri="{FF2B5EF4-FFF2-40B4-BE49-F238E27FC236}">
+                <a16:creationId xmlns:a16="http://schemas.microsoft.com/office/drawing/2014/main" id="{DD58076B-5773-4B33-9072-EA0BF87C132C}"/>
+              </a:ext>
+            </a:extLst>
+          </p:cNvPr>
+          <p:cNvPicPr>
+            <a:picLocks noChangeAspect="1"/>
+          </p:cNvPicPr>
+          <p:nvPr/>
+        </p:nvPicPr>
+        <p:blipFill>
+          <a:blip r:embed="rId5"/>
+          <a:stretch>
+            <a:fillRect/>
+          </a:stretch>
+        </p:blipFill>
+        <p:spPr>
+          <a:xfrm>
+            <a:off x="7069031" y="4645569"/>
+            <a:ext cx="4437169" cy="1076179"/>
+          </a:xfrm>
+          <a:prstGeom prst="rect">
+            <a:avLst/>
+          </a:prstGeom>
+        </p:spPr>
+      </p:pic>
+      <p:pic>
+        <p:nvPicPr>
+          <p:cNvPr id="9" name="Picture 8">
+            <a:extLst>
+              <a:ext uri="{FF2B5EF4-FFF2-40B4-BE49-F238E27FC236}">
+                <a16:creationId xmlns:a16="http://schemas.microsoft.com/office/drawing/2014/main" id="{0825635A-96D5-4C2B-8338-127B91E3E5A4}"/>
+              </a:ext>
+            </a:extLst>
+          </p:cNvPr>
+          <p:cNvPicPr>
+            <a:picLocks noChangeAspect="1"/>
+          </p:cNvPicPr>
+          <p:nvPr/>
+        </p:nvPicPr>
+        <p:blipFill>
+          <a:blip r:embed="rId6"/>
+          <a:stretch>
+            <a:fillRect/>
+          </a:stretch>
+        </p:blipFill>
+        <p:spPr>
+          <a:xfrm>
+            <a:off x="5324475" y="3624262"/>
+            <a:ext cx="1543050" cy="885825"/>
+          </a:xfrm>
+          <a:prstGeom prst="rect">
+            <a:avLst/>
+          </a:prstGeom>
+        </p:spPr>
+      </p:pic>
+    </p:spTree>
+    <p:extLst>
+      <p:ext uri="{BB962C8B-B14F-4D97-AF65-F5344CB8AC3E}">
+        <p14:creationId xmlns:p14="http://schemas.microsoft.com/office/powerpoint/2010/main" val="2725981935"/>
+      </p:ext>
+    </p:extLst>
+  </p:cSld>
+  <p:clrMapOvr>
+    <a:masterClrMapping/>
   </p:clrMapOvr>
 </p:sld>
 </file>
